--- a/PAC-final-presentation.pptx
+++ b/PAC-final-presentation.pptx
@@ -16,15 +16,19 @@
     <p:sldId id="260" r:id="rId10"/>
     <p:sldId id="261" r:id="rId11"/>
     <p:sldId id="263" r:id="rId12"/>
-    <p:sldId id="264" r:id="rId13"/>
-    <p:sldId id="266" r:id="rId14"/>
-    <p:sldId id="268" r:id="rId15"/>
+    <p:sldId id="266" r:id="rId13"/>
+    <p:sldId id="268" r:id="rId14"/>
+    <p:sldId id="274" r:id="rId15"/>
     <p:sldId id="270" r:id="rId16"/>
     <p:sldId id="267" r:id="rId17"/>
     <p:sldId id="269" r:id="rId18"/>
     <p:sldId id="271" r:id="rId19"/>
-    <p:sldId id="265" r:id="rId20"/>
-    <p:sldId id="258" r:id="rId21"/>
+    <p:sldId id="264" r:id="rId20"/>
+    <p:sldId id="272" r:id="rId21"/>
+    <p:sldId id="275" r:id="rId22"/>
+    <p:sldId id="273" r:id="rId23"/>
+    <p:sldId id="258" r:id="rId24"/>
+    <p:sldId id="265" r:id="rId25"/>
   </p:sldIdLst>
   <p:sldSz cx="9144000" cy="5715000" type="screen16x10"/>
   <p:notesSz cx="7559675" cy="10691813"/>
@@ -8207,16 +8211,7 @@
                 </a:solidFill>
                 <a:latin typeface="DIN Next LT Pro Light Condensed"/>
               </a:rPr>
-              <a:t>Architecture </a:t>
-            </a:r>
-            <a:r>
-              <a:rPr lang="en-US" sz="4000" dirty="0" smtClean="0">
-                <a:solidFill>
-                  <a:schemeClr val="bg1"/>
-                </a:solidFill>
-                <a:latin typeface="DIN Next LT Pro Light Condensed"/>
-              </a:rPr>
-              <a:t>presentation</a:t>
+              <a:t>Architecture presentation</a:t>
             </a:r>
             <a:endParaRPr lang="en-US" sz="4000" dirty="0" smtClean="0">
               <a:solidFill>
@@ -8278,7 +8273,7 @@
                 </a:solidFill>
                 <a:latin typeface="DIN Next LT Pro Light Condensed"/>
               </a:rPr>
-              <a:t>26.07.2016</a:t>
+              <a:t>28.07.2016</a:t>
             </a:r>
             <a:endParaRPr sz="3200" dirty="0"/>
           </a:p>
@@ -8423,270 +8418,98 @@
                 </a:solidFill>
                 <a:latin typeface="DIN Next LT Pro Condensed"/>
               </a:rPr>
-              <a:t>Development – Java/Spring</a:t>
+              <a:t>Project structure – back and front-end</a:t>
             </a:r>
             <a:endParaRPr dirty="0"/>
           </a:p>
         </p:txBody>
       </p:sp>
-      <p:sp>
-        <p:nvSpPr>
-          <p:cNvPr id="9" name="TextShape 2"/>
-          <p:cNvSpPr txBox="1"/>
+      <p:pic>
+        <p:nvPicPr>
+          <p:cNvPr id="2050" name="Picture 2" descr="C:\Users\prodyna\Desktop\Unbenannt.PNG"/>
+          <p:cNvPicPr>
+            <a:picLocks noChangeAspect="1" noChangeArrowheads="1"/>
+          </p:cNvPicPr>
           <p:nvPr/>
-        </p:nvSpPr>
-        <p:spPr>
-          <a:xfrm>
-            <a:off x="457200" y="732304"/>
-            <a:ext cx="8003232" cy="4645476"/>
-          </a:xfrm>
-          <a:prstGeom prst="rect">
-            <a:avLst/>
-          </a:prstGeom>
-        </p:spPr>
-        <p:txBody>
-          <a:bodyPr lIns="90000" tIns="45000" rIns="90000" bIns="45000"/>
-          <a:lstStyle/>
-          <a:p>
-            <a:pPr>
-              <a:lnSpc>
-                <a:spcPct val="100000"/>
-              </a:lnSpc>
-              <a:buSzPct val="45000"/>
-            </a:pPr>
-            <a:endParaRPr lang="en-US" dirty="0" smtClean="0"/>
-          </a:p>
-          <a:p>
-            <a:pPr>
-              <a:lnSpc>
-                <a:spcPct val="100000"/>
-              </a:lnSpc>
-              <a:buSzPct val="45000"/>
-            </a:pPr>
-            <a:r>
-              <a:rPr lang="en-US" dirty="0" smtClean="0"/>
-              <a:t>@</a:t>
-            </a:r>
-            <a:r>
-              <a:rPr lang="en-US" dirty="0"/>
-              <a:t>Service</a:t>
-            </a:r>
-            <a:br>
-              <a:rPr lang="en-US" dirty="0"/>
-            </a:br>
-            <a:r>
-              <a:rPr lang="en-US" b="1" dirty="0"/>
-              <a:t>public class </a:t>
-            </a:r>
-            <a:r>
-              <a:rPr lang="en-US" dirty="0" err="1"/>
-              <a:t>PollServiceImpl</a:t>
-            </a:r>
-            <a:r>
-              <a:rPr lang="en-US" dirty="0"/>
-              <a:t> </a:t>
-            </a:r>
-            <a:r>
-              <a:rPr lang="en-US" b="1" dirty="0"/>
-              <a:t>implements </a:t>
-            </a:r>
-            <a:r>
-              <a:rPr lang="en-US" dirty="0" err="1"/>
-              <a:t>PollService</a:t>
-            </a:r>
-            <a:r>
-              <a:rPr lang="en-US" dirty="0"/>
-              <a:t> {</a:t>
-            </a:r>
-            <a:br>
-              <a:rPr lang="en-US" dirty="0"/>
-            </a:br>
-            <a:r>
-              <a:rPr lang="en-US" dirty="0"/>
-              <a:t/>
-            </a:r>
-            <a:br>
-              <a:rPr lang="en-US" dirty="0"/>
-            </a:br>
-            <a:r>
-              <a:rPr lang="en-US" dirty="0"/>
-              <a:t>    </a:t>
-            </a:r>
-            <a:r>
-              <a:rPr lang="en-US" dirty="0"/>
-              <a:t>@</a:t>
-            </a:r>
-            <a:r>
-              <a:rPr lang="en-US" dirty="0" err="1"/>
-              <a:t>Autowired</a:t>
-            </a:r>
-            <a:r>
-              <a:rPr lang="en-US" dirty="0"/>
-              <a:t/>
-            </a:r>
-            <a:br>
-              <a:rPr lang="en-US" dirty="0"/>
-            </a:br>
-            <a:r>
-              <a:rPr lang="en-US" dirty="0"/>
-              <a:t>    </a:t>
-            </a:r>
-            <a:r>
-              <a:rPr lang="en-US" b="1" dirty="0"/>
-              <a:t>private </a:t>
-            </a:r>
-            <a:r>
-              <a:rPr lang="en-US" dirty="0" err="1"/>
-              <a:t>PollRepository</a:t>
-            </a:r>
-            <a:r>
-              <a:rPr lang="en-US" dirty="0"/>
-              <a:t> </a:t>
-            </a:r>
-            <a:r>
-              <a:rPr lang="en-US" b="1" dirty="0" err="1"/>
-              <a:t>pollRepository</a:t>
-            </a:r>
-            <a:r>
-              <a:rPr lang="en-US" dirty="0"/>
-              <a:t>;</a:t>
-            </a:r>
-            <a:br>
-              <a:rPr lang="en-US" dirty="0"/>
-            </a:br>
-            <a:r>
-              <a:rPr lang="en-US" dirty="0"/>
-              <a:t/>
-            </a:r>
-            <a:br>
-              <a:rPr lang="en-US" dirty="0"/>
-            </a:br>
-            <a:r>
-              <a:rPr lang="en-US" dirty="0"/>
-              <a:t>    </a:t>
-            </a:r>
-            <a:r>
-              <a:rPr lang="en-US" dirty="0"/>
-              <a:t>@Override</a:t>
-            </a:r>
-            <a:br>
-              <a:rPr lang="en-US" dirty="0"/>
-            </a:br>
-            <a:r>
-              <a:rPr lang="en-US" dirty="0"/>
-              <a:t>    </a:t>
-            </a:r>
-            <a:r>
-              <a:rPr lang="en-US" b="1" dirty="0"/>
-              <a:t>public </a:t>
-            </a:r>
-            <a:r>
-              <a:rPr lang="en-US" dirty="0"/>
-              <a:t>Optional&lt;Poll&gt; </a:t>
-            </a:r>
-            <a:r>
-              <a:rPr lang="en-US" dirty="0" err="1"/>
-              <a:t>getPoll</a:t>
-            </a:r>
-            <a:r>
-              <a:rPr lang="en-US" dirty="0"/>
-              <a:t>(String id) {</a:t>
-            </a:r>
-            <a:br>
-              <a:rPr lang="en-US" dirty="0"/>
-            </a:br>
-            <a:r>
-              <a:rPr lang="en-US" dirty="0"/>
-              <a:t>        Poll </a:t>
-            </a:r>
-            <a:r>
-              <a:rPr lang="en-US" dirty="0" err="1"/>
-              <a:t>poll</a:t>
-            </a:r>
-            <a:r>
-              <a:rPr lang="en-US" dirty="0"/>
-              <a:t> = </a:t>
-            </a:r>
-            <a:r>
-              <a:rPr lang="en-US" b="1" dirty="0" err="1"/>
-              <a:t>pollRepository</a:t>
-            </a:r>
-            <a:r>
-              <a:rPr lang="en-US" dirty="0" err="1"/>
-              <a:t>.findOne</a:t>
-            </a:r>
-            <a:r>
-              <a:rPr lang="en-US" dirty="0"/>
-              <a:t>(id);</a:t>
-            </a:r>
-            <a:br>
-              <a:rPr lang="en-US" dirty="0"/>
-            </a:br>
-            <a:r>
-              <a:rPr lang="en-US" dirty="0"/>
-              <a:t>        </a:t>
-            </a:r>
-            <a:r>
-              <a:rPr lang="en-US" b="1" dirty="0"/>
-              <a:t>return </a:t>
-            </a:r>
-            <a:r>
-              <a:rPr lang="en-US" dirty="0" err="1"/>
-              <a:t>Optional.</a:t>
-            </a:r>
-            <a:r>
-              <a:rPr lang="en-US" i="1" dirty="0" err="1"/>
-              <a:t>ofNullable</a:t>
-            </a:r>
-            <a:r>
-              <a:rPr lang="en-US" dirty="0"/>
-              <a:t>(poll);</a:t>
-            </a:r>
-            <a:br>
-              <a:rPr lang="en-US" dirty="0"/>
-            </a:br>
-            <a:r>
-              <a:rPr lang="en-US" dirty="0"/>
-              <a:t>    </a:t>
-            </a:r>
-            <a:r>
-              <a:rPr lang="en-US" dirty="0" smtClean="0"/>
-              <a:t>}	</a:t>
-            </a:r>
-          </a:p>
-          <a:p>
-            <a:pPr>
-              <a:lnSpc>
-                <a:spcPct val="100000"/>
-              </a:lnSpc>
-              <a:buSzPct val="45000"/>
-            </a:pPr>
-            <a:r>
-              <a:rPr lang="en-US" dirty="0" smtClean="0"/>
-              <a:t>…</a:t>
-            </a:r>
-            <a:r>
-              <a:rPr lang="en-US" dirty="0"/>
-              <a:t/>
-            </a:r>
-            <a:br>
-              <a:rPr lang="en-US" dirty="0"/>
-            </a:br>
-            <a:r>
-              <a:rPr lang="en-US" dirty="0"/>
-              <a:t>}</a:t>
-            </a:r>
-            <a:br>
-              <a:rPr lang="en-US" dirty="0"/>
-            </a:br>
-            <a:endParaRPr dirty="0" smtClean="0"/>
-          </a:p>
-        </p:txBody>
-      </p:sp>
+        </p:nvPicPr>
+        <p:blipFill>
+          <a:blip r:embed="rId2">
+            <a:extLst>
+              <a:ext uri="{28A0092B-C50C-407E-A947-70E740481C1C}">
+                <a14:useLocalDpi xmlns:a14="http://schemas.microsoft.com/office/drawing/2010/main" val="0"/>
+              </a:ext>
+            </a:extLst>
+          </a:blip>
+          <a:srcRect/>
+          <a:stretch>
+            <a:fillRect/>
+          </a:stretch>
+        </p:blipFill>
+        <p:spPr bwMode="auto">
+          <a:xfrm>
+            <a:off x="251520" y="1057300"/>
+            <a:ext cx="2600325" cy="3000375"/>
+          </a:xfrm>
+          <a:prstGeom prst="rect">
+            <a:avLst/>
+          </a:prstGeom>
+          <a:noFill/>
+          <a:extLst>
+            <a:ext uri="{909E8E84-426E-40DD-AFC4-6F175D3DCCD1}">
+              <a14:hiddenFill xmlns:a14="http://schemas.microsoft.com/office/drawing/2010/main">
+                <a:solidFill>
+                  <a:srgbClr val="FFFFFF"/>
+                </a:solidFill>
+              </a14:hiddenFill>
+            </a:ext>
+          </a:extLst>
+        </p:spPr>
+      </p:pic>
+      <p:pic>
+        <p:nvPicPr>
+          <p:cNvPr id="2052" name="Picture 4" descr="C:\Users\prodyna\Desktop\Unbenannfft.PNG"/>
+          <p:cNvPicPr>
+            <a:picLocks noChangeAspect="1" noChangeArrowheads="1"/>
+          </p:cNvPicPr>
+          <p:nvPr/>
+        </p:nvPicPr>
+        <p:blipFill>
+          <a:blip r:embed="rId3">
+            <a:extLst>
+              <a:ext uri="{28A0092B-C50C-407E-A947-70E740481C1C}">
+                <a14:useLocalDpi xmlns:a14="http://schemas.microsoft.com/office/drawing/2010/main" val="0"/>
+              </a:ext>
+            </a:extLst>
+          </a:blip>
+          <a:srcRect/>
+          <a:stretch>
+            <a:fillRect/>
+          </a:stretch>
+        </p:blipFill>
+        <p:spPr bwMode="auto">
+          <a:xfrm>
+            <a:off x="5076056" y="876838"/>
+            <a:ext cx="2028825" cy="4810125"/>
+          </a:xfrm>
+          <a:prstGeom prst="rect">
+            <a:avLst/>
+          </a:prstGeom>
+          <a:noFill/>
+          <a:extLst>
+            <a:ext uri="{909E8E84-426E-40DD-AFC4-6F175D3DCCD1}">
+              <a14:hiddenFill xmlns:a14="http://schemas.microsoft.com/office/drawing/2010/main">
+                <a:solidFill>
+                  <a:srgbClr val="FFFFFF"/>
+                </a:solidFill>
+              </a14:hiddenFill>
+            </a:ext>
+          </a:extLst>
+        </p:spPr>
+      </p:pic>
     </p:spTree>
     <p:extLst>
       <p:ext uri="{BB962C8B-B14F-4D97-AF65-F5344CB8AC3E}">
-        <p14:creationId xmlns:p14="http://schemas.microsoft.com/office/powerpoint/2010/main" val="2603234843"/>
+        <p14:creationId xmlns:p14="http://schemas.microsoft.com/office/powerpoint/2010/main" val="177920918"/>
       </p:ext>
     </p:extLst>
   </p:cSld>
@@ -8939,11 +8762,7 @@
             </a:br>
             <a:r>
               <a:rPr lang="en-US" sz="1400" dirty="0"/>
-              <a:t>    </a:t>
-            </a:r>
-            <a:r>
-              <a:rPr lang="en-US" sz="1400" dirty="0"/>
-              <a:t>@</a:t>
+              <a:t>    @</a:t>
             </a:r>
             <a:r>
               <a:rPr lang="en-US" sz="1400" dirty="0" err="1"/>
@@ -8992,11 +8811,7 @@
             </a:br>
             <a:r>
               <a:rPr lang="en-US" sz="1400" dirty="0"/>
-              <a:t>    </a:t>
-            </a:r>
-            <a:r>
-              <a:rPr lang="en-US" sz="1400" dirty="0"/>
-              <a:t>@Test</a:t>
+              <a:t>    @Test</a:t>
             </a:r>
             <a:br>
               <a:rPr lang="en-US" sz="1400" dirty="0"/>
@@ -9129,11 +8944,7 @@
             </a:br>
             <a:r>
               <a:rPr lang="en-US" sz="1400" dirty="0"/>
-              <a:t>    </a:t>
-            </a:r>
-            <a:r>
-              <a:rPr lang="en-US" sz="1400" dirty="0"/>
-              <a:t>@Test</a:t>
+              <a:t>    @Test</a:t>
             </a:r>
             <a:br>
               <a:rPr lang="en-US" sz="1400" dirty="0"/>
@@ -9316,7 +9127,7 @@
         <p:spPr>
           <a:xfrm>
             <a:off x="4427984" y="2488331"/>
-            <a:ext cx="3816424" cy="629871"/>
+            <a:ext cx="4361656" cy="629871"/>
           </a:xfrm>
           <a:prstGeom prst="cloud">
             <a:avLst/>
@@ -9343,7 +9154,19 @@
             <a:pPr algn="ctr"/>
             <a:r>
               <a:rPr lang="en-US" dirty="0" smtClean="0"/>
-              <a:t>2. Users are saved to the real database</a:t>
+              <a:t>2. </a:t>
+            </a:r>
+            <a:r>
+              <a:rPr lang="en-US" dirty="0" smtClean="0"/>
+              <a:t>Tests use the same </a:t>
+            </a:r>
+            <a:r>
+              <a:rPr lang="en-US" dirty="0" err="1" smtClean="0"/>
+              <a:t>db</a:t>
+            </a:r>
+            <a:r>
+              <a:rPr lang="en-US" dirty="0" smtClean="0"/>
+              <a:t> setup as in production</a:t>
             </a:r>
             <a:endParaRPr lang="en-US" dirty="0"/>
           </a:p>
@@ -9863,7 +9686,7 @@
         </p:nvSpPr>
         <p:spPr>
           <a:xfrm>
-            <a:off x="4471286" y="3418597"/>
+            <a:off x="4427984" y="3289548"/>
             <a:ext cx="2592288" cy="648072"/>
           </a:xfrm>
           <a:prstGeom prst="cloud">
@@ -9947,7 +9770,7 @@
         </p:nvSpPr>
         <p:spPr>
           <a:xfrm>
-            <a:off x="3635896" y="2587950"/>
+            <a:off x="3635896" y="2443934"/>
             <a:ext cx="2304256" cy="413566"/>
           </a:xfrm>
           <a:prstGeom prst="cloud">
@@ -10429,7 +10252,7 @@
             </a:r>
             <a:r>
               <a:rPr lang="en-US" dirty="0" smtClean="0"/>
-              <a:t>– compiles Java code, runs all unit tests, produces OS-runnable jar file in </a:t>
+              <a:t>– compiles Java code, runs all unit tests, produces OS-runnable jar file in the </a:t>
             </a:r>
             <a:r>
               <a:rPr lang="en-US" b="1" dirty="0" smtClean="0"/>
@@ -10458,7 +10281,7 @@
             </a:r>
             <a:r>
               <a:rPr lang="en-US" dirty="0" smtClean="0"/>
-              <a:t>– as above + runs integration tests and packages the entire application in .zip</a:t>
+              <a:t>– as above + runs integration tests and packages the entire application as .zip</a:t>
             </a:r>
           </a:p>
           <a:p>
@@ -10474,7 +10297,7 @@
             </a:r>
             <a:r>
               <a:rPr lang="en-US" dirty="0" smtClean="0"/>
-              <a:t>from console or IDE main class right click - run</a:t>
+              <a:t>from console or in IDE main class right click - run</a:t>
             </a:r>
             <a:endParaRPr lang="en-US" i="1" dirty="0" smtClean="0"/>
           </a:p>
@@ -10525,7 +10348,7 @@
             </a:r>
             <a:r>
               <a:rPr lang="en-US" dirty="0" smtClean="0"/>
-              <a:t> code, produces browser-runnable JavaScript/HTML/CSS files in </a:t>
+              <a:t> code, produces browser-runnable JavaScript/HTML/CSS files in the </a:t>
             </a:r>
             <a:r>
               <a:rPr lang="en-US" b="1" dirty="0" smtClean="0"/>
@@ -10658,7 +10481,7 @@
                 </a:solidFill>
                 <a:latin typeface="DIN Next LT Pro Condensed"/>
               </a:rPr>
-              <a:t>How to continue from here?</a:t>
+              <a:t>Quality</a:t>
             </a:r>
             <a:endParaRPr dirty="0"/>
           </a:p>
@@ -10672,8 +10495,8 @@
         </p:nvSpPr>
         <p:spPr>
           <a:xfrm>
-            <a:off x="323528" y="730348"/>
-            <a:ext cx="8136904" cy="4719439"/>
+            <a:off x="457200" y="732304"/>
+            <a:ext cx="8003232" cy="4717484"/>
           </a:xfrm>
           <a:prstGeom prst="rect">
             <a:avLst/>
@@ -10703,12 +10526,17 @@
               <a:buChar char="ü"/>
             </a:pPr>
             <a:r>
-              <a:rPr lang="en-US" sz="2400" dirty="0" smtClean="0">
-                <a:hlinkClick r:id="rId2"/>
-              </a:rPr>
-              <a:t>Documentation</a:t>
-            </a:r>
-            <a:endParaRPr lang="en-US" sz="2400" dirty="0" smtClean="0"/>
+              <a:rPr lang="en-US" sz="2400" dirty="0" smtClean="0"/>
+              <a:t>Compile type safety (Java/</a:t>
+            </a:r>
+            <a:r>
+              <a:rPr lang="en-US" sz="2400" dirty="0" err="1" smtClean="0"/>
+              <a:t>TypeScript</a:t>
+            </a:r>
+            <a:r>
+              <a:rPr lang="en-US" sz="2400" dirty="0" smtClean="0"/>
+              <a:t>)</a:t>
+            </a:r>
           </a:p>
           <a:p>
             <a:pPr marL="457200" indent="-457200">
@@ -10721,7 +10549,7 @@
             </a:pPr>
             <a:r>
               <a:rPr lang="en-US" sz="2400" dirty="0" smtClean="0"/>
-              <a:t>Well-defined and logical rules</a:t>
+              <a:t>Several testing layers (unit/integration tests/end-to-end tests)</a:t>
             </a:r>
           </a:p>
           <a:p>
@@ -10735,7 +10563,7 @@
             </a:pPr>
             <a:r>
               <a:rPr lang="en-US" sz="2400" dirty="0" smtClean="0"/>
-              <a:t>Super-easy project setup</a:t>
+              <a:t>Definition of done</a:t>
             </a:r>
           </a:p>
           <a:p>
@@ -10749,7 +10577,11 @@
             </a:pPr>
             <a:r>
               <a:rPr lang="en-US" sz="2400" dirty="0" smtClean="0"/>
-              <a:t>Team coaching, know-how transfer</a:t>
+              <a:t>Continuous </a:t>
+            </a:r>
+            <a:r>
+              <a:rPr lang="en-US" sz="2400" dirty="0" smtClean="0"/>
+              <a:t>integration / Sonar</a:t>
             </a:r>
           </a:p>
           <a:p>
@@ -10762,8 +10594,12 @@
               <a:buChar char="ü"/>
             </a:pPr>
             <a:r>
+              <a:rPr lang="en-US" sz="2400" dirty="0"/>
+              <a:t>Scrum – early </a:t>
+            </a:r>
+            <a:r>
               <a:rPr lang="en-US" sz="2400" dirty="0" smtClean="0"/>
-              <a:t>Clean code without over-engineering – solid basis</a:t>
+              <a:t>feedback</a:t>
             </a:r>
           </a:p>
           <a:p>
@@ -10777,16 +10613,139 @@
             </a:pPr>
             <a:r>
               <a:rPr lang="en-US" sz="2400" dirty="0" smtClean="0"/>
-              <a:t>Modern and mainstream technologies ensure skills can be found in the market</a:t>
-            </a:r>
+              <a:t>Code </a:t>
+            </a:r>
+            <a:r>
+              <a:rPr lang="en-US" sz="2400" dirty="0" smtClean="0"/>
+              <a:t>reviews</a:t>
+            </a:r>
+          </a:p>
+          <a:p>
+            <a:pPr marL="457200" indent="-457200">
+              <a:lnSpc>
+                <a:spcPct val="150000"/>
+              </a:lnSpc>
+              <a:buSzPct val="100000"/>
+              <a:buFont typeface="Wingdings" panose="05000000000000000000" pitchFamily="2" charset="2"/>
+              <a:buChar char="ü"/>
+            </a:pPr>
+            <a:r>
+              <a:rPr lang="en-US" sz="2400" dirty="0" smtClean="0"/>
+              <a:t>Pair programming</a:t>
+            </a:r>
+          </a:p>
+          <a:p>
+            <a:pPr>
+              <a:lnSpc>
+                <a:spcPct val="100000"/>
+              </a:lnSpc>
+              <a:buSzPct val="45000"/>
+              <a:buFont typeface="StarSymbol"/>
+              <a:buChar char=""/>
+            </a:pPr>
             <a:endParaRPr dirty="0"/>
           </a:p>
         </p:txBody>
       </p:sp>
+      <p:pic>
+        <p:nvPicPr>
+          <p:cNvPr id="4" name="Picture 5"/>
+          <p:cNvPicPr>
+            <a:picLocks noChangeAspect="1" noChangeArrowheads="1"/>
+          </p:cNvPicPr>
+          <p:nvPr/>
+        </p:nvPicPr>
+        <p:blipFill>
+          <a:blip r:embed="rId2">
+            <a:extLst>
+              <a:ext uri="{28A0092B-C50C-407E-A947-70E740481C1C}">
+                <a14:useLocalDpi xmlns:a14="http://schemas.microsoft.com/office/drawing/2010/main" val="0"/>
+              </a:ext>
+            </a:extLst>
+          </a:blip>
+          <a:srcRect/>
+          <a:stretch>
+            <a:fillRect/>
+          </a:stretch>
+        </p:blipFill>
+        <p:spPr bwMode="auto">
+          <a:xfrm rot="250447">
+            <a:off x="5280079" y="2353774"/>
+            <a:ext cx="5072740" cy="1833709"/>
+          </a:xfrm>
+          <a:prstGeom prst="rect">
+            <a:avLst/>
+          </a:prstGeom>
+          <a:noFill/>
+          <a:ln>
+            <a:noFill/>
+          </a:ln>
+          <a:extLst>
+            <a:ext uri="{909E8E84-426E-40DD-AFC4-6F175D3DCCD1}">
+              <a14:hiddenFill xmlns:a14="http://schemas.microsoft.com/office/drawing/2010/main">
+                <a:solidFill>
+                  <a:schemeClr val="accent1"/>
+                </a:solidFill>
+              </a14:hiddenFill>
+            </a:ext>
+            <a:ext uri="{91240B29-F687-4F45-9708-019B960494DF}">
+              <a14:hiddenLine xmlns:a14="http://schemas.microsoft.com/office/drawing/2010/main" w="9525">
+                <a:solidFill>
+                  <a:schemeClr val="tx1"/>
+                </a:solidFill>
+                <a:miter lim="800000"/>
+                <a:headEnd/>
+                <a:tailEnd/>
+              </a14:hiddenLine>
+            </a:ext>
+          </a:extLst>
+        </p:spPr>
+      </p:pic>
+      <p:pic>
+        <p:nvPicPr>
+          <p:cNvPr id="5" name="Picture 10" descr="C:\Users\prodyna\Desktop\crucible_blue.png"/>
+          <p:cNvPicPr>
+            <a:picLocks noChangeAspect="1" noChangeArrowheads="1"/>
+          </p:cNvPicPr>
+          <p:nvPr/>
+        </p:nvPicPr>
+        <p:blipFill>
+          <a:blip r:embed="rId3" cstate="print">
+            <a:extLst>
+              <a:ext uri="{28A0092B-C50C-407E-A947-70E740481C1C}">
+                <a14:useLocalDpi xmlns:a14="http://schemas.microsoft.com/office/drawing/2010/main" val="0"/>
+              </a:ext>
+            </a:extLst>
+          </a:blip>
+          <a:srcRect/>
+          <a:stretch>
+            <a:fillRect/>
+          </a:stretch>
+        </p:blipFill>
+        <p:spPr bwMode="auto">
+          <a:xfrm>
+            <a:off x="2987824" y="4433805"/>
+            <a:ext cx="2013227" cy="511927"/>
+          </a:xfrm>
+          <a:prstGeom prst="rect">
+            <a:avLst/>
+          </a:prstGeom>
+          <a:noFill/>
+          <a:extLst>
+            <a:ext uri="{909E8E84-426E-40DD-AFC4-6F175D3DCCD1}">
+              <a14:hiddenFill xmlns:a14="http://schemas.microsoft.com/office/drawing/2010/main">
+                <a:solidFill>
+                  <a:srgbClr val="FFFFFF"/>
+                </a:solidFill>
+              </a14:hiddenFill>
+            </a:ext>
+          </a:extLst>
+        </p:spPr>
+      </p:pic>
     </p:spTree>
     <p:extLst>
       <p:ext uri="{BB962C8B-B14F-4D97-AF65-F5344CB8AC3E}">
-        <p14:creationId xmlns:p14="http://schemas.microsoft.com/office/powerpoint/2010/main" val="495458534"/>
+        <p14:creationId xmlns:p14="http://schemas.microsoft.com/office/powerpoint/2010/main" val="1109548407"/>
       </p:ext>
     </p:extLst>
   </p:cSld>
@@ -10842,6 +10801,837 @@
       </p:grpSpPr>
       <p:sp>
         <p:nvSpPr>
+          <p:cNvPr id="268" name="CustomShape 1"/>
+          <p:cNvSpPr/>
+          <p:nvPr/>
+        </p:nvSpPr>
+        <p:spPr>
+          <a:xfrm>
+            <a:off x="577800" y="193204"/>
+            <a:ext cx="8136720" cy="539100"/>
+          </a:xfrm>
+          <a:prstGeom prst="rect">
+            <a:avLst/>
+          </a:prstGeom>
+          <a:noFill/>
+          <a:ln>
+            <a:noFill/>
+          </a:ln>
+        </p:spPr>
+        <p:txBody>
+          <a:bodyPr lIns="90000" tIns="45000" rIns="90000" bIns="45000" anchor="ctr"/>
+          <a:lstStyle/>
+          <a:p>
+            <a:pPr>
+              <a:lnSpc>
+                <a:spcPct val="100000"/>
+              </a:lnSpc>
+            </a:pPr>
+            <a:r>
+              <a:rPr lang="en-US" sz="3600" dirty="0" smtClean="0">
+                <a:solidFill>
+                  <a:srgbClr val="383836"/>
+                </a:solidFill>
+                <a:latin typeface="DIN Next LT Pro Condensed"/>
+              </a:rPr>
+              <a:t>Making release</a:t>
+            </a:r>
+            <a:endParaRPr dirty="0"/>
+          </a:p>
+        </p:txBody>
+      </p:sp>
+      <p:sp>
+        <p:nvSpPr>
+          <p:cNvPr id="9" name="TextShape 2"/>
+          <p:cNvSpPr txBox="1"/>
+          <p:nvPr/>
+        </p:nvSpPr>
+        <p:spPr>
+          <a:xfrm>
+            <a:off x="457200" y="732304"/>
+            <a:ext cx="8003232" cy="4789492"/>
+          </a:xfrm>
+          <a:prstGeom prst="rect">
+            <a:avLst/>
+          </a:prstGeom>
+        </p:spPr>
+        <p:txBody>
+          <a:bodyPr lIns="90000" tIns="45000" rIns="90000" bIns="45000"/>
+          <a:lstStyle/>
+          <a:p>
+            <a:pPr>
+              <a:lnSpc>
+                <a:spcPct val="100000"/>
+              </a:lnSpc>
+              <a:buSzPct val="45000"/>
+            </a:pPr>
+            <a:endParaRPr dirty="0" smtClean="0"/>
+          </a:p>
+        </p:txBody>
+      </p:sp>
+      <p:sp>
+        <p:nvSpPr>
+          <p:cNvPr id="10" name="TextShape 2"/>
+          <p:cNvSpPr txBox="1"/>
+          <p:nvPr/>
+        </p:nvSpPr>
+        <p:spPr>
+          <a:xfrm>
+            <a:off x="457200" y="732304"/>
+            <a:ext cx="8003232" cy="4645476"/>
+          </a:xfrm>
+          <a:prstGeom prst="rect">
+            <a:avLst/>
+          </a:prstGeom>
+        </p:spPr>
+        <p:txBody>
+          <a:bodyPr lIns="90000" tIns="45000" rIns="90000" bIns="45000"/>
+          <a:lstStyle/>
+          <a:p>
+            <a:pPr>
+              <a:lnSpc>
+                <a:spcPct val="100000"/>
+              </a:lnSpc>
+              <a:buSzPct val="45000"/>
+            </a:pPr>
+            <a:r>
+              <a:rPr lang="en-US" dirty="0"/>
+              <a:t/>
+            </a:r>
+            <a:br>
+              <a:rPr lang="en-US" dirty="0"/>
+            </a:br>
+            <a:endParaRPr dirty="0" smtClean="0"/>
+          </a:p>
+        </p:txBody>
+      </p:sp>
+      <p:sp>
+        <p:nvSpPr>
+          <p:cNvPr id="6" name="TextShape 2"/>
+          <p:cNvSpPr txBox="1"/>
+          <p:nvPr/>
+        </p:nvSpPr>
+        <p:spPr>
+          <a:xfrm>
+            <a:off x="457200" y="732304"/>
+            <a:ext cx="8003232" cy="4313032"/>
+          </a:xfrm>
+          <a:prstGeom prst="rect">
+            <a:avLst/>
+          </a:prstGeom>
+        </p:spPr>
+        <p:txBody>
+          <a:bodyPr lIns="90000" tIns="45000" rIns="90000" bIns="45000"/>
+          <a:lstStyle/>
+          <a:p>
+            <a:pPr>
+              <a:lnSpc>
+                <a:spcPct val="100000"/>
+              </a:lnSpc>
+              <a:buSzPct val="45000"/>
+              <a:buFont typeface="StarSymbol"/>
+              <a:buChar char=""/>
+            </a:pPr>
+            <a:endParaRPr dirty="0" smtClean="0"/>
+          </a:p>
+          <a:p>
+            <a:pPr marL="457200" indent="-457200">
+              <a:lnSpc>
+                <a:spcPct val="150000"/>
+              </a:lnSpc>
+              <a:buSzPct val="100000"/>
+              <a:buFont typeface="Wingdings" panose="05000000000000000000" pitchFamily="2" charset="2"/>
+              <a:buChar char="ü"/>
+            </a:pPr>
+            <a:endParaRPr lang="en-US" sz="2400" dirty="0" smtClean="0">
+              <a:hlinkClick r:id="rId2"/>
+            </a:endParaRPr>
+          </a:p>
+          <a:p>
+            <a:pPr marL="457200" indent="-457200">
+              <a:lnSpc>
+                <a:spcPct val="150000"/>
+              </a:lnSpc>
+              <a:buSzPct val="100000"/>
+              <a:buFont typeface="Wingdings" panose="05000000000000000000" pitchFamily="2" charset="2"/>
+              <a:buChar char="ü"/>
+            </a:pPr>
+            <a:endParaRPr lang="en-US" sz="2400" dirty="0">
+              <a:hlinkClick r:id="rId2"/>
+            </a:endParaRPr>
+          </a:p>
+          <a:p>
+            <a:pPr marL="457200" indent="-457200">
+              <a:lnSpc>
+                <a:spcPct val="150000"/>
+              </a:lnSpc>
+              <a:buSzPct val="100000"/>
+              <a:buFont typeface="Wingdings" panose="05000000000000000000" pitchFamily="2" charset="2"/>
+              <a:buChar char="ü"/>
+            </a:pPr>
+            <a:r>
+              <a:rPr lang="en-US" sz="2400" dirty="0" smtClean="0">
+                <a:hlinkClick r:id="rId2"/>
+              </a:rPr>
+              <a:t>GIT </a:t>
+            </a:r>
+            <a:r>
+              <a:rPr lang="en-US" sz="2400" dirty="0" smtClean="0">
+                <a:hlinkClick r:id="rId2"/>
+              </a:rPr>
+              <a:t>Flow</a:t>
+            </a:r>
+            <a:endParaRPr lang="en-US" sz="2400" dirty="0" smtClean="0"/>
+          </a:p>
+          <a:p>
+            <a:pPr marL="457200" indent="-457200">
+              <a:lnSpc>
+                <a:spcPct val="150000"/>
+              </a:lnSpc>
+              <a:buSzPct val="100000"/>
+              <a:buFont typeface="Wingdings" panose="05000000000000000000" pitchFamily="2" charset="2"/>
+              <a:buChar char="ü"/>
+            </a:pPr>
+            <a:r>
+              <a:rPr lang="en-US" sz="2400" dirty="0" smtClean="0"/>
+              <a:t>versions.txt</a:t>
+            </a:r>
+          </a:p>
+          <a:p>
+            <a:pPr marL="457200" indent="-457200">
+              <a:lnSpc>
+                <a:spcPct val="150000"/>
+              </a:lnSpc>
+              <a:buSzPct val="100000"/>
+              <a:buFont typeface="Wingdings" panose="05000000000000000000" pitchFamily="2" charset="2"/>
+              <a:buChar char="ü"/>
+            </a:pPr>
+            <a:r>
+              <a:rPr lang="en-US" sz="2400" dirty="0" smtClean="0"/>
+              <a:t>maven release plugin / Jenkins / </a:t>
+            </a:r>
+            <a:r>
+              <a:rPr lang="en-US" sz="2400" dirty="0" smtClean="0"/>
+              <a:t>Nexus</a:t>
+            </a:r>
+          </a:p>
+          <a:p>
+            <a:pPr marL="457200" indent="-457200">
+              <a:lnSpc>
+                <a:spcPct val="150000"/>
+              </a:lnSpc>
+              <a:buSzPct val="100000"/>
+              <a:buFont typeface="Wingdings" panose="05000000000000000000" pitchFamily="2" charset="2"/>
+              <a:buChar char="ü"/>
+            </a:pPr>
+            <a:r>
+              <a:rPr lang="en-US" sz="2400" dirty="0" smtClean="0"/>
+              <a:t>Nexus holds the end artifact produced by the </a:t>
+            </a:r>
+          </a:p>
+          <a:p>
+            <a:pPr>
+              <a:lnSpc>
+                <a:spcPct val="150000"/>
+              </a:lnSpc>
+              <a:buSzPct val="100000"/>
+            </a:pPr>
+            <a:r>
+              <a:rPr lang="en-US" sz="2400" dirty="0" smtClean="0"/>
+              <a:t>release </a:t>
+            </a:r>
+            <a:r>
+              <a:rPr lang="en-US" sz="2400" dirty="0" smtClean="0"/>
+              <a:t>(zip file)</a:t>
+            </a:r>
+            <a:endParaRPr lang="en-US" sz="2400" dirty="0" smtClean="0"/>
+          </a:p>
+        </p:txBody>
+      </p:sp>
+      <p:pic>
+        <p:nvPicPr>
+          <p:cNvPr id="1026" name="Picture 2" descr="C:\Users\prodyna\Desktop\Unbenannt.PNG"/>
+          <p:cNvPicPr>
+            <a:picLocks noChangeAspect="1" noChangeArrowheads="1"/>
+          </p:cNvPicPr>
+          <p:nvPr/>
+        </p:nvPicPr>
+        <p:blipFill>
+          <a:blip r:embed="rId3">
+            <a:extLst>
+              <a:ext uri="{28A0092B-C50C-407E-A947-70E740481C1C}">
+                <a14:useLocalDpi xmlns:a14="http://schemas.microsoft.com/office/drawing/2010/main" val="0"/>
+              </a:ext>
+            </a:extLst>
+          </a:blip>
+          <a:srcRect/>
+          <a:stretch>
+            <a:fillRect/>
+          </a:stretch>
+        </p:blipFill>
+        <p:spPr bwMode="auto">
+          <a:xfrm>
+            <a:off x="4598926" y="462754"/>
+            <a:ext cx="4115594" cy="2672176"/>
+          </a:xfrm>
+          <a:prstGeom prst="rect">
+            <a:avLst/>
+          </a:prstGeom>
+          <a:noFill/>
+          <a:extLst>
+            <a:ext uri="{909E8E84-426E-40DD-AFC4-6F175D3DCCD1}">
+              <a14:hiddenFill xmlns:a14="http://schemas.microsoft.com/office/drawing/2010/main">
+                <a:solidFill>
+                  <a:srgbClr val="FFFFFF"/>
+                </a:solidFill>
+              </a14:hiddenFill>
+            </a:ext>
+          </a:extLst>
+        </p:spPr>
+      </p:pic>
+    </p:spTree>
+    <p:extLst>
+      <p:ext uri="{BB962C8B-B14F-4D97-AF65-F5344CB8AC3E}">
+        <p14:creationId xmlns:p14="http://schemas.microsoft.com/office/powerpoint/2010/main" val="911926459"/>
+      </p:ext>
+    </p:extLst>
+  </p:cSld>
+  <p:clrMapOvr>
+    <a:masterClrMapping/>
+  </p:clrMapOvr>
+  <p:timing>
+    <p:tnLst>
+      <p:par>
+        <p:cTn id="1" dur="indefinite" restart="never" nodeType="tmRoot">
+          <p:childTnLst>
+            <p:seq>
+              <p:cTn id="2" nodeType="mainSeq"/>
+              <p:prevCondLst>
+                <p:cond evt="onPrev" delay="0">
+                  <p:tgtEl>
+                    <p:sldTgt/>
+                  </p:tgtEl>
+                </p:cond>
+              </p:prevCondLst>
+              <p:nextCondLst>
+                <p:cond evt="onNext" delay="0">
+                  <p:tgtEl>
+                    <p:sldTgt/>
+                  </p:tgtEl>
+                </p:cond>
+              </p:nextCondLst>
+            </p:seq>
+          </p:childTnLst>
+        </p:cTn>
+      </p:par>
+    </p:tnLst>
+  </p:timing>
+</p:sld>
+</file>
+
+<file path=ppt/slides/slide17.xml><?xml version="1.0" encoding="utf-8"?>
+<p:sld xmlns:a="http://schemas.openxmlformats.org/drawingml/2006/main" xmlns:r="http://schemas.openxmlformats.org/officeDocument/2006/relationships" xmlns:p="http://schemas.openxmlformats.org/presentationml/2006/main">
+  <p:cSld>
+    <p:spTree>
+      <p:nvGrpSpPr>
+        <p:cNvPr id="1" name=""/>
+        <p:cNvGrpSpPr/>
+        <p:nvPr/>
+      </p:nvGrpSpPr>
+      <p:grpSpPr>
+        <a:xfrm>
+          <a:off x="0" y="0"/>
+          <a:ext cx="0" cy="0"/>
+          <a:chOff x="0" y="0"/>
+          <a:chExt cx="0" cy="0"/>
+        </a:xfrm>
+      </p:grpSpPr>
+      <p:sp>
+        <p:nvSpPr>
+          <p:cNvPr id="268" name="CustomShape 1"/>
+          <p:cNvSpPr/>
+          <p:nvPr/>
+        </p:nvSpPr>
+        <p:spPr>
+          <a:xfrm>
+            <a:off x="577800" y="193204"/>
+            <a:ext cx="8136720" cy="539100"/>
+          </a:xfrm>
+          <a:prstGeom prst="rect">
+            <a:avLst/>
+          </a:prstGeom>
+          <a:noFill/>
+          <a:ln>
+            <a:noFill/>
+          </a:ln>
+        </p:spPr>
+        <p:txBody>
+          <a:bodyPr lIns="90000" tIns="45000" rIns="90000" bIns="45000" anchor="ctr"/>
+          <a:lstStyle/>
+          <a:p>
+            <a:pPr>
+              <a:lnSpc>
+                <a:spcPct val="100000"/>
+              </a:lnSpc>
+            </a:pPr>
+            <a:r>
+              <a:rPr lang="en-US" sz="3600" dirty="0" smtClean="0">
+                <a:solidFill>
+                  <a:srgbClr val="383836"/>
+                </a:solidFill>
+                <a:latin typeface="DIN Next LT Pro Condensed"/>
+              </a:rPr>
+              <a:t>Deployment / DML</a:t>
+            </a:r>
+            <a:endParaRPr dirty="0"/>
+          </a:p>
+        </p:txBody>
+      </p:sp>
+      <p:sp>
+        <p:nvSpPr>
+          <p:cNvPr id="9" name="TextShape 2"/>
+          <p:cNvSpPr txBox="1"/>
+          <p:nvPr/>
+        </p:nvSpPr>
+        <p:spPr>
+          <a:xfrm>
+            <a:off x="457200" y="732304"/>
+            <a:ext cx="8003232" cy="4789492"/>
+          </a:xfrm>
+          <a:prstGeom prst="rect">
+            <a:avLst/>
+          </a:prstGeom>
+        </p:spPr>
+        <p:txBody>
+          <a:bodyPr lIns="90000" tIns="45000" rIns="90000" bIns="45000"/>
+          <a:lstStyle/>
+          <a:p>
+            <a:pPr>
+              <a:lnSpc>
+                <a:spcPct val="100000"/>
+              </a:lnSpc>
+              <a:buSzPct val="45000"/>
+            </a:pPr>
+            <a:endParaRPr dirty="0" smtClean="0"/>
+          </a:p>
+        </p:txBody>
+      </p:sp>
+      <p:sp>
+        <p:nvSpPr>
+          <p:cNvPr id="10" name="TextShape 2"/>
+          <p:cNvSpPr txBox="1"/>
+          <p:nvPr/>
+        </p:nvSpPr>
+        <p:spPr>
+          <a:xfrm>
+            <a:off x="457200" y="732304"/>
+            <a:ext cx="8003232" cy="4645476"/>
+          </a:xfrm>
+          <a:prstGeom prst="rect">
+            <a:avLst/>
+          </a:prstGeom>
+        </p:spPr>
+        <p:txBody>
+          <a:bodyPr lIns="90000" tIns="45000" rIns="90000" bIns="45000"/>
+          <a:lstStyle/>
+          <a:p>
+            <a:pPr>
+              <a:lnSpc>
+                <a:spcPct val="100000"/>
+              </a:lnSpc>
+              <a:buSzPct val="45000"/>
+            </a:pPr>
+            <a:r>
+              <a:rPr lang="en-US" dirty="0"/>
+              <a:t/>
+            </a:r>
+            <a:br>
+              <a:rPr lang="en-US" dirty="0"/>
+            </a:br>
+            <a:endParaRPr dirty="0" smtClean="0"/>
+          </a:p>
+        </p:txBody>
+      </p:sp>
+      <p:sp>
+        <p:nvSpPr>
+          <p:cNvPr id="6" name="TextShape 2"/>
+          <p:cNvSpPr txBox="1"/>
+          <p:nvPr/>
+        </p:nvSpPr>
+        <p:spPr>
+          <a:xfrm>
+            <a:off x="457200" y="732304"/>
+            <a:ext cx="8003232" cy="4313032"/>
+          </a:xfrm>
+          <a:prstGeom prst="rect">
+            <a:avLst/>
+          </a:prstGeom>
+        </p:spPr>
+        <p:txBody>
+          <a:bodyPr lIns="90000" tIns="45000" rIns="90000" bIns="45000"/>
+          <a:lstStyle/>
+          <a:p>
+            <a:pPr>
+              <a:lnSpc>
+                <a:spcPct val="100000"/>
+              </a:lnSpc>
+              <a:buSzPct val="45000"/>
+              <a:buFont typeface="StarSymbol"/>
+              <a:buChar char=""/>
+            </a:pPr>
+            <a:endParaRPr dirty="0" smtClean="0"/>
+          </a:p>
+          <a:p>
+            <a:pPr marL="457200" indent="-457200">
+              <a:lnSpc>
+                <a:spcPct val="150000"/>
+              </a:lnSpc>
+              <a:buSzPct val="100000"/>
+              <a:buFont typeface="Wingdings" panose="05000000000000000000" pitchFamily="2" charset="2"/>
+              <a:buChar char="ü"/>
+            </a:pPr>
+            <a:endParaRPr lang="en-US" sz="2400" dirty="0" smtClean="0"/>
+          </a:p>
+          <a:p>
+            <a:pPr marL="457200" indent="-457200">
+              <a:lnSpc>
+                <a:spcPct val="150000"/>
+              </a:lnSpc>
+              <a:buSzPct val="100000"/>
+              <a:buFont typeface="Wingdings" panose="05000000000000000000" pitchFamily="2" charset="2"/>
+              <a:buChar char="ü"/>
+            </a:pPr>
+            <a:r>
+              <a:rPr lang="en-US" sz="2400" dirty="0" smtClean="0"/>
+              <a:t>Nexus keeps history of all released versions</a:t>
+            </a:r>
+          </a:p>
+          <a:p>
+            <a:pPr marL="457200" indent="-457200">
+              <a:lnSpc>
+                <a:spcPct val="150000"/>
+              </a:lnSpc>
+              <a:buSzPct val="100000"/>
+              <a:buFont typeface="Wingdings" panose="05000000000000000000" pitchFamily="2" charset="2"/>
+              <a:buChar char="ü"/>
+            </a:pPr>
+            <a:r>
+              <a:rPr lang="en-US" sz="2400" dirty="0" smtClean="0"/>
+              <a:t>DML </a:t>
+            </a:r>
+            <a:r>
+              <a:rPr lang="en-US" sz="2400" dirty="0" smtClean="0"/>
+              <a:t>– </a:t>
+            </a:r>
+            <a:r>
+              <a:rPr lang="en-US" sz="2400" dirty="0" smtClean="0"/>
+              <a:t>contract with system administrators - structure always stays </a:t>
+            </a:r>
+            <a:r>
+              <a:rPr lang="en-US" sz="2400" dirty="0" smtClean="0"/>
+              <a:t>the same</a:t>
+            </a:r>
+          </a:p>
+          <a:p>
+            <a:pPr marL="457200" indent="-457200">
+              <a:lnSpc>
+                <a:spcPct val="150000"/>
+              </a:lnSpc>
+              <a:buSzPct val="100000"/>
+              <a:buFont typeface="Wingdings" panose="05000000000000000000" pitchFamily="2" charset="2"/>
+              <a:buChar char="ü"/>
+            </a:pPr>
+            <a:r>
+              <a:rPr lang="en-US" sz="2400" dirty="0" smtClean="0"/>
+              <a:t>Configuration files for each stage (D, Q, P) kept on relative servers, respectively </a:t>
+            </a:r>
+            <a:endParaRPr lang="en-US" sz="2400" dirty="0"/>
+          </a:p>
+        </p:txBody>
+      </p:sp>
+    </p:spTree>
+    <p:extLst>
+      <p:ext uri="{BB962C8B-B14F-4D97-AF65-F5344CB8AC3E}">
+        <p14:creationId xmlns:p14="http://schemas.microsoft.com/office/powerpoint/2010/main" val="1537027481"/>
+      </p:ext>
+    </p:extLst>
+  </p:cSld>
+  <p:clrMapOvr>
+    <a:masterClrMapping/>
+  </p:clrMapOvr>
+  <p:timing>
+    <p:tnLst>
+      <p:par>
+        <p:cTn id="1" dur="indefinite" restart="never" nodeType="tmRoot">
+          <p:childTnLst>
+            <p:seq>
+              <p:cTn id="2" nodeType="mainSeq"/>
+              <p:prevCondLst>
+                <p:cond evt="onPrev" delay="0">
+                  <p:tgtEl>
+                    <p:sldTgt/>
+                  </p:tgtEl>
+                </p:cond>
+              </p:prevCondLst>
+              <p:nextCondLst>
+                <p:cond evt="onNext" delay="0">
+                  <p:tgtEl>
+                    <p:sldTgt/>
+                  </p:tgtEl>
+                </p:cond>
+              </p:nextCondLst>
+            </p:seq>
+          </p:childTnLst>
+        </p:cTn>
+      </p:par>
+    </p:tnLst>
+  </p:timing>
+</p:sld>
+</file>
+
+<file path=ppt/slides/slide18.xml><?xml version="1.0" encoding="utf-8"?>
+<p:sld xmlns:a="http://schemas.openxmlformats.org/drawingml/2006/main" xmlns:r="http://schemas.openxmlformats.org/officeDocument/2006/relationships" xmlns:p="http://schemas.openxmlformats.org/presentationml/2006/main">
+  <p:cSld>
+    <p:spTree>
+      <p:nvGrpSpPr>
+        <p:cNvPr id="1" name=""/>
+        <p:cNvGrpSpPr/>
+        <p:nvPr/>
+      </p:nvGrpSpPr>
+      <p:grpSpPr>
+        <a:xfrm>
+          <a:off x="0" y="0"/>
+          <a:ext cx="0" cy="0"/>
+          <a:chOff x="0" y="0"/>
+          <a:chExt cx="0" cy="0"/>
+        </a:xfrm>
+      </p:grpSpPr>
+      <p:sp>
+        <p:nvSpPr>
+          <p:cNvPr id="279" name="CustomShape 1"/>
+          <p:cNvSpPr/>
+          <p:nvPr/>
+        </p:nvSpPr>
+        <p:spPr>
+          <a:xfrm>
+            <a:off x="574560" y="1207800"/>
+            <a:ext cx="8139960" cy="4199700"/>
+          </a:xfrm>
+          <a:prstGeom prst="rect">
+            <a:avLst/>
+          </a:prstGeom>
+          <a:noFill/>
+          <a:ln>
+            <a:noFill/>
+          </a:ln>
+        </p:spPr>
+        <p:txBody>
+          <a:bodyPr lIns="90000" tIns="45000" rIns="90000" bIns="45000"/>
+          <a:lstStyle/>
+          <a:p>
+            <a:pPr>
+              <a:lnSpc>
+                <a:spcPct val="100000"/>
+              </a:lnSpc>
+              <a:buFont typeface="StarSymbol"/>
+              <a:buChar char=""/>
+            </a:pPr>
+            <a:endParaRPr dirty="0"/>
+          </a:p>
+          <a:p>
+            <a:pPr>
+              <a:lnSpc>
+                <a:spcPct val="100000"/>
+              </a:lnSpc>
+              <a:buFont typeface="StarSymbol"/>
+              <a:buChar char=""/>
+            </a:pPr>
+            <a:endParaRPr dirty="0"/>
+          </a:p>
+          <a:p>
+            <a:pPr>
+              <a:lnSpc>
+                <a:spcPct val="100000"/>
+              </a:lnSpc>
+              <a:buFont typeface="StarSymbol"/>
+              <a:buChar char=""/>
+            </a:pPr>
+            <a:endParaRPr dirty="0"/>
+          </a:p>
+          <a:p>
+            <a:pPr>
+              <a:lnSpc>
+                <a:spcPct val="100000"/>
+              </a:lnSpc>
+              <a:buFont typeface="StarSymbol"/>
+              <a:buChar char=""/>
+            </a:pPr>
+            <a:endParaRPr dirty="0"/>
+          </a:p>
+          <a:p>
+            <a:pPr>
+              <a:lnSpc>
+                <a:spcPct val="100000"/>
+              </a:lnSpc>
+            </a:pPr>
+            <a:endParaRPr dirty="0"/>
+          </a:p>
+        </p:txBody>
+      </p:sp>
+      <p:sp>
+        <p:nvSpPr>
+          <p:cNvPr id="280" name="CustomShape 2"/>
+          <p:cNvSpPr/>
+          <p:nvPr/>
+        </p:nvSpPr>
+        <p:spPr>
+          <a:xfrm>
+            <a:off x="577800" y="247200"/>
+            <a:ext cx="8136720" cy="539100"/>
+          </a:xfrm>
+          <a:prstGeom prst="rect">
+            <a:avLst/>
+          </a:prstGeom>
+          <a:noFill/>
+          <a:ln>
+            <a:noFill/>
+          </a:ln>
+        </p:spPr>
+        <p:txBody>
+          <a:bodyPr lIns="90000" tIns="45000" rIns="90000" bIns="45000" anchor="ctr"/>
+          <a:lstStyle/>
+          <a:p>
+            <a:pPr>
+              <a:lnSpc>
+                <a:spcPct val="100000"/>
+              </a:lnSpc>
+            </a:pPr>
+            <a:r>
+              <a:rPr lang="en-US" sz="3600" dirty="0" smtClean="0">
+                <a:solidFill>
+                  <a:srgbClr val="383836"/>
+                </a:solidFill>
+                <a:latin typeface="DIN Next LT Pro Condensed"/>
+              </a:rPr>
+              <a:t>Application monitoring</a:t>
+            </a:r>
+            <a:endParaRPr dirty="0"/>
+          </a:p>
+        </p:txBody>
+      </p:sp>
+      <p:pic>
+        <p:nvPicPr>
+          <p:cNvPr id="3078" name="Picture 6"/>
+          <p:cNvPicPr>
+            <a:picLocks noChangeAspect="1" noChangeArrowheads="1"/>
+          </p:cNvPicPr>
+          <p:nvPr/>
+        </p:nvPicPr>
+        <p:blipFill>
+          <a:blip r:embed="rId2">
+            <a:extLst>
+              <a:ext uri="{28A0092B-C50C-407E-A947-70E740481C1C}">
+                <a14:useLocalDpi xmlns:a14="http://schemas.microsoft.com/office/drawing/2010/main" val="0"/>
+              </a:ext>
+            </a:extLst>
+          </a:blip>
+          <a:srcRect/>
+          <a:stretch>
+            <a:fillRect/>
+          </a:stretch>
+        </p:blipFill>
+        <p:spPr bwMode="auto">
+          <a:xfrm>
+            <a:off x="35496" y="1181350"/>
+            <a:ext cx="9039953" cy="3692374"/>
+          </a:xfrm>
+          <a:prstGeom prst="rect">
+            <a:avLst/>
+          </a:prstGeom>
+          <a:noFill/>
+          <a:ln>
+            <a:noFill/>
+          </a:ln>
+          <a:extLst>
+            <a:ext uri="{909E8E84-426E-40DD-AFC4-6F175D3DCCD1}">
+              <a14:hiddenFill xmlns:a14="http://schemas.microsoft.com/office/drawing/2010/main">
+                <a:solidFill>
+                  <a:schemeClr val="accent1"/>
+                </a:solidFill>
+              </a14:hiddenFill>
+            </a:ext>
+            <a:ext uri="{91240B29-F687-4F45-9708-019B960494DF}">
+              <a14:hiddenLine xmlns:a14="http://schemas.microsoft.com/office/drawing/2010/main" w="9525">
+                <a:solidFill>
+                  <a:schemeClr val="tx1"/>
+                </a:solidFill>
+                <a:miter lim="800000"/>
+                <a:headEnd/>
+                <a:tailEnd/>
+              </a14:hiddenLine>
+            </a:ext>
+          </a:extLst>
+        </p:spPr>
+      </p:pic>
+    </p:spTree>
+    <p:extLst>
+      <p:ext uri="{BB962C8B-B14F-4D97-AF65-F5344CB8AC3E}">
+        <p14:creationId xmlns:p14="http://schemas.microsoft.com/office/powerpoint/2010/main" val="177425964"/>
+      </p:ext>
+    </p:extLst>
+  </p:cSld>
+  <p:clrMapOvr>
+    <a:masterClrMapping/>
+  </p:clrMapOvr>
+  <p:timing>
+    <p:tnLst>
+      <p:par>
+        <p:cTn id="1" dur="indefinite" restart="never" nodeType="tmRoot">
+          <p:childTnLst>
+            <p:seq>
+              <p:cTn id="2" nodeType="mainSeq"/>
+              <p:prevCondLst>
+                <p:cond evt="onPrev" delay="0">
+                  <p:tgtEl>
+                    <p:sldTgt/>
+                  </p:tgtEl>
+                </p:cond>
+              </p:prevCondLst>
+              <p:nextCondLst>
+                <p:cond evt="onNext" delay="0">
+                  <p:tgtEl>
+                    <p:sldTgt/>
+                  </p:tgtEl>
+                </p:cond>
+              </p:nextCondLst>
+            </p:seq>
+          </p:childTnLst>
+        </p:cTn>
+      </p:par>
+    </p:tnLst>
+  </p:timing>
+</p:sld>
+</file>
+
+<file path=ppt/slides/slide19.xml><?xml version="1.0" encoding="utf-8"?>
+<p:sld xmlns:a="http://schemas.openxmlformats.org/drawingml/2006/main" xmlns:r="http://schemas.openxmlformats.org/officeDocument/2006/relationships" xmlns:p="http://schemas.openxmlformats.org/presentationml/2006/main">
+  <p:cSld>
+    <p:spTree>
+      <p:nvGrpSpPr>
+        <p:cNvPr id="1" name=""/>
+        <p:cNvGrpSpPr/>
+        <p:nvPr/>
+      </p:nvGrpSpPr>
+      <p:grpSpPr>
+        <a:xfrm>
+          <a:off x="0" y="0"/>
+          <a:ext cx="0" cy="0"/>
+          <a:chOff x="0" y="0"/>
+          <a:chExt cx="0" cy="0"/>
+        </a:xfrm>
+      </p:grpSpPr>
+      <p:sp>
+        <p:nvSpPr>
           <p:cNvPr id="257" name="CustomShape 1"/>
           <p:cNvSpPr/>
           <p:nvPr/>
@@ -11395,6 +12185,228 @@
 </p:sld>
 </file>
 
+<file path=ppt/slides/slide20.xml><?xml version="1.0" encoding="utf-8"?>
+<p:sld xmlns:a="http://schemas.openxmlformats.org/drawingml/2006/main" xmlns:r="http://schemas.openxmlformats.org/officeDocument/2006/relationships" xmlns:p="http://schemas.openxmlformats.org/presentationml/2006/main">
+  <p:cSld>
+    <p:spTree>
+      <p:nvGrpSpPr>
+        <p:cNvPr id="1" name=""/>
+        <p:cNvGrpSpPr/>
+        <p:nvPr/>
+      </p:nvGrpSpPr>
+      <p:grpSpPr>
+        <a:xfrm>
+          <a:off x="0" y="0"/>
+          <a:ext cx="0" cy="0"/>
+          <a:chOff x="0" y="0"/>
+          <a:chExt cx="0" cy="0"/>
+        </a:xfrm>
+      </p:grpSpPr>
+      <p:sp>
+        <p:nvSpPr>
+          <p:cNvPr id="268" name="CustomShape 1"/>
+          <p:cNvSpPr/>
+          <p:nvPr/>
+        </p:nvSpPr>
+        <p:spPr>
+          <a:xfrm>
+            <a:off x="577800" y="193204"/>
+            <a:ext cx="8136720" cy="539100"/>
+          </a:xfrm>
+          <a:prstGeom prst="rect">
+            <a:avLst/>
+          </a:prstGeom>
+          <a:noFill/>
+          <a:ln>
+            <a:noFill/>
+          </a:ln>
+        </p:spPr>
+        <p:txBody>
+          <a:bodyPr lIns="90000" tIns="45000" rIns="90000" bIns="45000" anchor="ctr"/>
+          <a:lstStyle/>
+          <a:p>
+            <a:pPr>
+              <a:lnSpc>
+                <a:spcPct val="100000"/>
+              </a:lnSpc>
+            </a:pPr>
+            <a:r>
+              <a:rPr lang="en-US" sz="3600" dirty="0" smtClean="0">
+                <a:solidFill>
+                  <a:srgbClr val="383836"/>
+                </a:solidFill>
+                <a:latin typeface="DIN Next LT Pro Condensed"/>
+              </a:rPr>
+              <a:t>How to continue from here?</a:t>
+            </a:r>
+            <a:endParaRPr dirty="0"/>
+          </a:p>
+        </p:txBody>
+      </p:sp>
+      <p:sp>
+        <p:nvSpPr>
+          <p:cNvPr id="9" name="TextShape 2"/>
+          <p:cNvSpPr txBox="1"/>
+          <p:nvPr/>
+        </p:nvSpPr>
+        <p:spPr>
+          <a:xfrm>
+            <a:off x="323528" y="730348"/>
+            <a:ext cx="8136904" cy="4719439"/>
+          </a:xfrm>
+          <a:prstGeom prst="rect">
+            <a:avLst/>
+          </a:prstGeom>
+        </p:spPr>
+        <p:txBody>
+          <a:bodyPr lIns="90000" tIns="45000" rIns="90000" bIns="45000"/>
+          <a:lstStyle/>
+          <a:p>
+            <a:pPr>
+              <a:lnSpc>
+                <a:spcPct val="100000"/>
+              </a:lnSpc>
+              <a:buSzPct val="45000"/>
+              <a:buFont typeface="StarSymbol"/>
+              <a:buChar char=""/>
+            </a:pPr>
+            <a:endParaRPr dirty="0" smtClean="0"/>
+          </a:p>
+          <a:p>
+            <a:pPr marL="457200" indent="-457200">
+              <a:lnSpc>
+                <a:spcPct val="150000"/>
+              </a:lnSpc>
+              <a:buSzPct val="100000"/>
+              <a:buFont typeface="Wingdings" panose="05000000000000000000" pitchFamily="2" charset="2"/>
+              <a:buChar char="ü"/>
+            </a:pPr>
+            <a:r>
+              <a:rPr lang="en-US" sz="2400" dirty="0" smtClean="0">
+                <a:hlinkClick r:id="rId2"/>
+              </a:rPr>
+              <a:t>Documentation</a:t>
+            </a:r>
+            <a:endParaRPr lang="en-US" sz="2400" dirty="0" smtClean="0"/>
+          </a:p>
+          <a:p>
+            <a:pPr marL="457200" indent="-457200">
+              <a:lnSpc>
+                <a:spcPct val="150000"/>
+              </a:lnSpc>
+              <a:buSzPct val="100000"/>
+              <a:buFont typeface="Wingdings" panose="05000000000000000000" pitchFamily="2" charset="2"/>
+              <a:buChar char="ü"/>
+            </a:pPr>
+            <a:r>
+              <a:rPr lang="en-US" sz="2400" dirty="0" smtClean="0"/>
+              <a:t>Well-defined and logical rules</a:t>
+            </a:r>
+          </a:p>
+          <a:p>
+            <a:pPr marL="457200" indent="-457200">
+              <a:lnSpc>
+                <a:spcPct val="150000"/>
+              </a:lnSpc>
+              <a:buSzPct val="100000"/>
+              <a:buFont typeface="Wingdings" panose="05000000000000000000" pitchFamily="2" charset="2"/>
+              <a:buChar char="ü"/>
+            </a:pPr>
+            <a:r>
+              <a:rPr lang="en-US" sz="2400" dirty="0" smtClean="0"/>
+              <a:t>Super-easy project setup</a:t>
+            </a:r>
+          </a:p>
+          <a:p>
+            <a:pPr marL="457200" indent="-457200">
+              <a:lnSpc>
+                <a:spcPct val="150000"/>
+              </a:lnSpc>
+              <a:buSzPct val="100000"/>
+              <a:buFont typeface="Wingdings" panose="05000000000000000000" pitchFamily="2" charset="2"/>
+              <a:buChar char="ü"/>
+            </a:pPr>
+            <a:r>
+              <a:rPr lang="en-US" sz="2400" dirty="0" smtClean="0"/>
+              <a:t>Team coaching, know-how transfer, workshops</a:t>
+            </a:r>
+          </a:p>
+          <a:p>
+            <a:pPr marL="457200" indent="-457200">
+              <a:lnSpc>
+                <a:spcPct val="150000"/>
+              </a:lnSpc>
+              <a:buSzPct val="100000"/>
+              <a:buFont typeface="Wingdings" panose="05000000000000000000" pitchFamily="2" charset="2"/>
+              <a:buChar char="ü"/>
+            </a:pPr>
+            <a:r>
+              <a:rPr lang="en-US" sz="2400" dirty="0" smtClean="0"/>
+              <a:t>Clean code without over-engineering – </a:t>
+            </a:r>
+            <a:r>
+              <a:rPr lang="en-US" sz="2400" dirty="0" smtClean="0"/>
+              <a:t>no reinventing the wheel</a:t>
+            </a:r>
+            <a:endParaRPr lang="en-US" sz="2400" dirty="0" smtClean="0"/>
+          </a:p>
+          <a:p>
+            <a:pPr marL="457200" indent="-457200">
+              <a:lnSpc>
+                <a:spcPct val="150000"/>
+              </a:lnSpc>
+              <a:buSzPct val="100000"/>
+              <a:buFont typeface="Wingdings" panose="05000000000000000000" pitchFamily="2" charset="2"/>
+              <a:buChar char="ü"/>
+            </a:pPr>
+            <a:r>
+              <a:rPr lang="en-US" sz="2400" dirty="0" smtClean="0"/>
+              <a:t>Modern and mainstream technologies ensure skills can be found in the market</a:t>
+            </a:r>
+            <a:endParaRPr dirty="0"/>
+          </a:p>
+        </p:txBody>
+      </p:sp>
+    </p:spTree>
+    <p:extLst>
+      <p:ext uri="{BB962C8B-B14F-4D97-AF65-F5344CB8AC3E}">
+        <p14:creationId xmlns:p14="http://schemas.microsoft.com/office/powerpoint/2010/main" val="495458534"/>
+      </p:ext>
+    </p:extLst>
+  </p:cSld>
+  <p:clrMapOvr>
+    <a:masterClrMapping/>
+  </p:clrMapOvr>
+  <p:timing>
+    <p:tnLst>
+      <p:par>
+        <p:cTn id="1" dur="indefinite" restart="never" nodeType="tmRoot">
+          <p:childTnLst>
+            <p:seq>
+              <p:cTn id="2" nodeType="mainSeq"/>
+              <p:prevCondLst>
+                <p:cond evt="onPrev" delay="0">
+                  <p:tgtEl>
+                    <p:sldTgt/>
+                  </p:tgtEl>
+                </p:cond>
+              </p:prevCondLst>
+              <p:nextCondLst>
+                <p:cond evt="onNext" delay="0">
+                  <p:tgtEl>
+                    <p:sldTgt/>
+                  </p:tgtEl>
+                </p:cond>
+              </p:nextCondLst>
+            </p:seq>
+          </p:childTnLst>
+        </p:cTn>
+      </p:par>
+    </p:tnLst>
+  </p:timing>
+</p:sld>
+</file>
+
 <file path=ppt/slides/slide3.xml><?xml version="1.0" encoding="utf-8"?>
 <p:sld xmlns:a="http://schemas.openxmlformats.org/drawingml/2006/main" xmlns:r="http://schemas.openxmlformats.org/officeDocument/2006/relationships" xmlns:p="http://schemas.openxmlformats.org/presentationml/2006/main">
   <p:cSld>
@@ -11715,8 +12727,8 @@
         </p:nvSpPr>
         <p:spPr>
           <a:xfrm>
-            <a:off x="755576" y="193204"/>
-            <a:ext cx="7848872" cy="4662815"/>
+            <a:off x="755576" y="481236"/>
+            <a:ext cx="7848872" cy="5078313"/>
           </a:xfrm>
           <a:prstGeom prst="rect">
             <a:avLst/>
@@ -11834,9 +12846,8 @@
                   <a:srgbClr val="92D050"/>
                 </a:solidFill>
                 <a:latin typeface="DIN Next LT Pro Condensed"/>
-                <a:sym typeface="Wingdings" panose="05000000000000000000" pitchFamily="2" charset="2"/>
               </a:rPr>
-              <a:t>Tomcat </a:t>
+              <a:t>No single point of failure – 2 load balancers (Nginx), </a:t>
             </a:r>
             <a:r>
               <a:rPr lang="en-US" dirty="0" smtClean="0">
@@ -11846,7 +12857,17 @@
                 <a:latin typeface="DIN Next LT Pro Condensed"/>
                 <a:sym typeface="Wingdings" panose="05000000000000000000" pitchFamily="2" charset="2"/>
               </a:rPr>
-              <a:t>cluster, MongoDB </a:t>
+              <a:t>Tomcat farm, </a:t>
+            </a:r>
+            <a:r>
+              <a:rPr lang="en-US" dirty="0" smtClean="0">
+                <a:solidFill>
+                  <a:srgbClr val="92D050"/>
+                </a:solidFill>
+                <a:latin typeface="DIN Next LT Pro Condensed"/>
+                <a:sym typeface="Wingdings" panose="05000000000000000000" pitchFamily="2" charset="2"/>
+              </a:rPr>
+              <a:t>MongoDB </a:t>
             </a:r>
             <a:r>
               <a:rPr lang="en-US" dirty="0">
@@ -11997,7 +13018,7 @@
                 <a:latin typeface="DIN Next LT Pro Condensed"/>
                 <a:sym typeface="Wingdings" panose="05000000000000000000" pitchFamily="2" charset="2"/>
               </a:rPr>
-              <a:t> Easy to read integration tests make sure the entire stack is well tested and stable, from REST to database layer</a:t>
+              <a:t> Easy to read integration tests make sure the entire stack is well tested and stable, from REST to database layer, unit tests test details (edge cases)</a:t>
             </a:r>
             <a:endParaRPr lang="en-US" dirty="0">
               <a:latin typeface="DIN Next LT Pro Condensed"/>
@@ -12141,7 +13162,7 @@
       </p:sp>
       <p:pic>
         <p:nvPicPr>
-          <p:cNvPr id="2052" name="Picture 4"/>
+          <p:cNvPr id="1026" name="Picture 2"/>
           <p:cNvPicPr>
             <a:picLocks noChangeAspect="1" noChangeArrowheads="1"/>
           </p:cNvPicPr>
@@ -12162,8 +13183,8 @@
         </p:blipFill>
         <p:spPr bwMode="auto">
           <a:xfrm>
-            <a:off x="26491" y="1283467"/>
-            <a:ext cx="9082013" cy="3553645"/>
+            <a:off x="31750" y="1103313"/>
+            <a:ext cx="9078913" cy="3505200"/>
           </a:xfrm>
           <a:prstGeom prst="rect">
             <a:avLst/>
@@ -12495,15 +13516,7 @@
           <a:effectLst>
             <a:reflection blurRad="12700" stA="38000" endPos="28000" dist="5000" dir="5400000" sy="-100000" algn="bl" rotWithShape="0"/>
           </a:effectLst>
-          <a:extLst>
-            <a:ext uri="{909E8E84-426E-40DD-AFC4-6F175D3DCCD1}">
-              <a14:hiddenFill xmlns:a14="http://schemas.microsoft.com/office/drawing/2010/main">
-                <a:solidFill>
-                  <a:srgbClr val="FFFFFF"/>
-                </a:solidFill>
-              </a14:hiddenFill>
-            </a:ext>
-          </a:extLst>
+          <a:extLst/>
         </p:spPr>
       </p:pic>
       <p:pic>
@@ -12548,15 +13561,7 @@
           <a:effectLst>
             <a:reflection blurRad="12700" stA="38000" endPos="28000" dist="5000" dir="5400000" sy="-100000" algn="bl" rotWithShape="0"/>
           </a:effectLst>
-          <a:extLst>
-            <a:ext uri="{909E8E84-426E-40DD-AFC4-6F175D3DCCD1}">
-              <a14:hiddenFill xmlns:a14="http://schemas.microsoft.com/office/drawing/2010/main">
-                <a:solidFill>
-                  <a:srgbClr val="FFFFFF"/>
-                </a:solidFill>
-              </a14:hiddenFill>
-            </a:ext>
-          </a:extLst>
+          <a:extLst/>
         </p:spPr>
       </p:pic>
       <p:pic>
@@ -12601,15 +13606,7 @@
           <a:effectLst>
             <a:reflection blurRad="12700" stA="38000" endPos="28000" dist="5000" dir="5400000" sy="-100000" algn="bl" rotWithShape="0"/>
           </a:effectLst>
-          <a:extLst>
-            <a:ext uri="{909E8E84-426E-40DD-AFC4-6F175D3DCCD1}">
-              <a14:hiddenFill xmlns:a14="http://schemas.microsoft.com/office/drawing/2010/main">
-                <a:solidFill>
-                  <a:srgbClr val="FFFFFF"/>
-                </a:solidFill>
-              </a14:hiddenFill>
-            </a:ext>
-          </a:extLst>
+          <a:extLst/>
         </p:spPr>
       </p:pic>
       <p:sp>
@@ -12787,15 +13784,7 @@
           <a:effectLst>
             <a:reflection blurRad="12700" stA="38000" endPos="28000" dist="5000" dir="5400000" sy="-100000" algn="bl" rotWithShape="0"/>
           </a:effectLst>
-          <a:extLst>
-            <a:ext uri="{909E8E84-426E-40DD-AFC4-6F175D3DCCD1}">
-              <a14:hiddenFill xmlns:a14="http://schemas.microsoft.com/office/drawing/2010/main">
-                <a:solidFill>
-                  <a:srgbClr val="FFFFFF"/>
-                </a:solidFill>
-              </a14:hiddenFill>
-            </a:ext>
-          </a:extLst>
+          <a:extLst/>
         </p:spPr>
       </p:pic>
     </p:spTree>
@@ -12890,7 +13879,7 @@
                 </a:solidFill>
                 <a:latin typeface="DIN Next LT Pro Condensed"/>
               </a:rPr>
-              <a:t>Quality</a:t>
+              <a:t>Development</a:t>
             </a:r>
             <a:endParaRPr dirty="0"/>
           </a:p>
@@ -12936,16 +13925,9 @@
             </a:pPr>
             <a:r>
               <a:rPr lang="en-US" sz="2400" dirty="0" smtClean="0"/>
-              <a:t>Compile type safety (Java/</a:t>
-            </a:r>
-            <a:r>
-              <a:rPr lang="en-US" sz="2400" dirty="0" err="1" smtClean="0"/>
-              <a:t>TypeScript</a:t>
-            </a:r>
-            <a:r>
-              <a:rPr lang="en-US" sz="2400" dirty="0" smtClean="0"/>
-              <a:t>)</a:t>
-            </a:r>
+              <a:t>Agile / convention over configuration</a:t>
+            </a:r>
+            <a:endParaRPr lang="en-US" sz="2400" dirty="0" smtClean="0"/>
           </a:p>
           <a:p>
             <a:pPr marL="457200" indent="-457200">
@@ -12956,10 +13938,7 @@
               <a:buFont typeface="Wingdings" panose="05000000000000000000" pitchFamily="2" charset="2"/>
               <a:buChar char="ü"/>
             </a:pPr>
-            <a:r>
-              <a:rPr lang="en-US" sz="2400" dirty="0" smtClean="0"/>
-              <a:t>Several testing layers (unit/integration tests/end-to-end tests)</a:t>
-            </a:r>
+            <a:endParaRPr lang="en-US" sz="2400" dirty="0" smtClean="0"/>
           </a:p>
           <a:p>
             <a:pPr marL="457200" indent="-457200">
@@ -12972,7 +13951,15 @@
             </a:pPr>
             <a:r>
               <a:rPr lang="en-US" sz="2400" dirty="0" smtClean="0"/>
-              <a:t>Continuous integration / Sonar</a:t>
+              <a:t>Tooling: </a:t>
+            </a:r>
+            <a:r>
+              <a:rPr lang="en-US" sz="2400" dirty="0" err="1" smtClean="0"/>
+              <a:t>Atlassian</a:t>
+            </a:r>
+            <a:r>
+              <a:rPr lang="en-US" sz="2400" dirty="0" smtClean="0"/>
+              <a:t> Stack (Jira, Confluence, Crucible)</a:t>
             </a:r>
           </a:p>
           <a:p>
@@ -12984,14 +13971,7 @@
               <a:buFont typeface="Wingdings" panose="05000000000000000000" pitchFamily="2" charset="2"/>
               <a:buChar char="ü"/>
             </a:pPr>
-            <a:r>
-              <a:rPr lang="en-US" sz="2400" dirty="0"/>
-              <a:t>Scrum – early </a:t>
-            </a:r>
-            <a:r>
-              <a:rPr lang="en-US" sz="2400" dirty="0" smtClean="0"/>
-              <a:t>feedback</a:t>
-            </a:r>
+            <a:endParaRPr lang="en-US" sz="2400" dirty="0" smtClean="0"/>
           </a:p>
           <a:p>
             <a:pPr marL="457200" indent="-457200">
@@ -13004,7 +13984,7 @@
             </a:pPr>
             <a:r>
               <a:rPr lang="en-US" sz="2400" dirty="0" smtClean="0"/>
-              <a:t>Rigorous code reviews</a:t>
+              <a:t>Independent back-end and front-end projects</a:t>
             </a:r>
           </a:p>
           <a:p>
@@ -13016,20 +13996,23 @@
               <a:buFont typeface="Wingdings" panose="05000000000000000000" pitchFamily="2" charset="2"/>
               <a:buChar char="ü"/>
             </a:pPr>
-            <a:r>
-              <a:rPr lang="en-US" sz="2400" dirty="0" smtClean="0"/>
-              <a:t>Pair programming</a:t>
-            </a:r>
-          </a:p>
-          <a:p>
-            <a:pPr>
+            <a:endParaRPr lang="en-US" sz="2400" dirty="0" smtClean="0"/>
+          </a:p>
+          <a:p>
+            <a:pPr marL="457200" indent="-457200">
               <a:lnSpc>
-                <a:spcPct val="100000"/>
+                <a:spcPct val="150000"/>
               </a:lnSpc>
-              <a:buSzPct val="45000"/>
-              <a:buFont typeface="StarSymbol"/>
-              <a:buChar char=""/>
-            </a:pPr>
+              <a:buSzPct val="100000"/>
+              <a:buFont typeface="Wingdings" panose="05000000000000000000" pitchFamily="2" charset="2"/>
+              <a:buChar char="ü"/>
+            </a:pPr>
+            <a:r>
+              <a:rPr lang="en-US" sz="2400" dirty="0" smtClean="0">
+                <a:hlinkClick r:id="rId2"/>
+              </a:rPr>
+              <a:t>GIT Flow</a:t>
+            </a:r>
             <a:endParaRPr dirty="0"/>
           </a:p>
         </p:txBody>
@@ -13037,7 +14020,7 @@
     </p:spTree>
     <p:extLst>
       <p:ext uri="{BB962C8B-B14F-4D97-AF65-F5344CB8AC3E}">
-        <p14:creationId xmlns:p14="http://schemas.microsoft.com/office/powerpoint/2010/main" val="1109548407"/>
+        <p14:creationId xmlns:p14="http://schemas.microsoft.com/office/powerpoint/2010/main" val="3434868346"/>
       </p:ext>
     </p:extLst>
   </p:cSld>
@@ -13126,7 +14109,16 @@
                 </a:solidFill>
                 <a:latin typeface="DIN Next LT Pro Condensed"/>
               </a:rPr>
-              <a:t>Development</a:t>
+              <a:t>Development – Java/</a:t>
+            </a:r>
+            <a:r>
+              <a:rPr lang="en-US" sz="3600" dirty="0" err="1" smtClean="0">
+                <a:solidFill>
+                  <a:srgbClr val="383836"/>
+                </a:solidFill>
+                <a:latin typeface="DIN Next LT Pro Condensed"/>
+              </a:rPr>
+              <a:t>SpringBoot</a:t>
             </a:r>
             <a:endParaRPr dirty="0"/>
           </a:p>
@@ -13141,7 +14133,7 @@
         <p:spPr>
           <a:xfrm>
             <a:off x="457200" y="732304"/>
-            <a:ext cx="8003232" cy="4313032"/>
+            <a:ext cx="8003232" cy="4645476"/>
           </a:xfrm>
           <a:prstGeom prst="rect">
             <a:avLst/>
@@ -13156,117 +14148,232 @@
                 <a:spcPct val="100000"/>
               </a:lnSpc>
               <a:buSzPct val="45000"/>
-              <a:buFont typeface="StarSymbol"/>
-              <a:buChar char=""/>
-            </a:pPr>
+            </a:pPr>
+            <a:endParaRPr lang="en-US" dirty="0" smtClean="0"/>
+          </a:p>
+          <a:p>
+            <a:pPr>
+              <a:lnSpc>
+                <a:spcPct val="100000"/>
+              </a:lnSpc>
+              <a:buSzPct val="45000"/>
+            </a:pPr>
+            <a:r>
+              <a:rPr lang="en-US" dirty="0" smtClean="0"/>
+              <a:t>@</a:t>
+            </a:r>
+            <a:r>
+              <a:rPr lang="en-US" dirty="0"/>
+              <a:t>Service</a:t>
+            </a:r>
+            <a:br>
+              <a:rPr lang="en-US" dirty="0"/>
+            </a:br>
+            <a:r>
+              <a:rPr lang="en-US" b="1" dirty="0"/>
+              <a:t>public class </a:t>
+            </a:r>
+            <a:r>
+              <a:rPr lang="en-US" dirty="0" err="1"/>
+              <a:t>PollServiceImpl</a:t>
+            </a:r>
+            <a:r>
+              <a:rPr lang="en-US" dirty="0"/>
+              <a:t> </a:t>
+            </a:r>
+            <a:r>
+              <a:rPr lang="en-US" b="1" dirty="0"/>
+              <a:t>implements </a:t>
+            </a:r>
+            <a:r>
+              <a:rPr lang="en-US" dirty="0" err="1"/>
+              <a:t>PollService</a:t>
+            </a:r>
+            <a:r>
+              <a:rPr lang="en-US" dirty="0"/>
+              <a:t> {</a:t>
+            </a:r>
+            <a:br>
+              <a:rPr lang="en-US" dirty="0"/>
+            </a:br>
+            <a:r>
+              <a:rPr lang="en-US" dirty="0"/>
+              <a:t/>
+            </a:r>
+            <a:br>
+              <a:rPr lang="en-US" dirty="0"/>
+            </a:br>
+            <a:r>
+              <a:rPr lang="en-US" dirty="0"/>
+              <a:t>    @</a:t>
+            </a:r>
+            <a:r>
+              <a:rPr lang="en-US" dirty="0" err="1"/>
+              <a:t>Autowired</a:t>
+            </a:r>
+            <a:r>
+              <a:rPr lang="en-US" dirty="0"/>
+              <a:t/>
+            </a:r>
+            <a:br>
+              <a:rPr lang="en-US" dirty="0"/>
+            </a:br>
+            <a:r>
+              <a:rPr lang="en-US" dirty="0"/>
+              <a:t>    </a:t>
+            </a:r>
+            <a:r>
+              <a:rPr lang="en-US" b="1" dirty="0"/>
+              <a:t>private </a:t>
+            </a:r>
+            <a:r>
+              <a:rPr lang="en-US" dirty="0" err="1"/>
+              <a:t>PollRepository</a:t>
+            </a:r>
+            <a:r>
+              <a:rPr lang="en-US" dirty="0"/>
+              <a:t> </a:t>
+            </a:r>
+            <a:r>
+              <a:rPr lang="en-US" b="1" dirty="0" err="1"/>
+              <a:t>pollRepository</a:t>
+            </a:r>
+            <a:r>
+              <a:rPr lang="en-US" dirty="0"/>
+              <a:t>;</a:t>
+            </a:r>
+            <a:br>
+              <a:rPr lang="en-US" dirty="0"/>
+            </a:br>
+            <a:r>
+              <a:rPr lang="en-US" dirty="0"/>
+              <a:t/>
+            </a:r>
+            <a:br>
+              <a:rPr lang="en-US" dirty="0"/>
+            </a:br>
+            <a:r>
+              <a:rPr lang="en-US" dirty="0"/>
+              <a:t>    @Override</a:t>
+            </a:r>
+            <a:br>
+              <a:rPr lang="en-US" dirty="0"/>
+            </a:br>
+            <a:r>
+              <a:rPr lang="en-US" dirty="0"/>
+              <a:t>    </a:t>
+            </a:r>
+            <a:r>
+              <a:rPr lang="en-US" b="1" dirty="0"/>
+              <a:t>public </a:t>
+            </a:r>
+            <a:r>
+              <a:rPr lang="en-US" dirty="0"/>
+              <a:t>Optional&lt;Poll&gt; </a:t>
+            </a:r>
+            <a:r>
+              <a:rPr lang="en-US" dirty="0" err="1"/>
+              <a:t>getPoll</a:t>
+            </a:r>
+            <a:r>
+              <a:rPr lang="en-US" dirty="0"/>
+              <a:t>(String id) {</a:t>
+            </a:r>
+            <a:br>
+              <a:rPr lang="en-US" dirty="0"/>
+            </a:br>
+            <a:r>
+              <a:rPr lang="en-US" dirty="0"/>
+              <a:t>        Poll </a:t>
+            </a:r>
+            <a:r>
+              <a:rPr lang="en-US" dirty="0" err="1"/>
+              <a:t>poll</a:t>
+            </a:r>
+            <a:r>
+              <a:rPr lang="en-US" dirty="0"/>
+              <a:t> = </a:t>
+            </a:r>
+            <a:r>
+              <a:rPr lang="en-US" b="1" dirty="0" err="1"/>
+              <a:t>pollRepository</a:t>
+            </a:r>
+            <a:r>
+              <a:rPr lang="en-US" dirty="0" err="1"/>
+              <a:t>.findOne</a:t>
+            </a:r>
+            <a:r>
+              <a:rPr lang="en-US" dirty="0"/>
+              <a:t>(id);</a:t>
+            </a:r>
+            <a:br>
+              <a:rPr lang="en-US" dirty="0"/>
+            </a:br>
+            <a:r>
+              <a:rPr lang="en-US" dirty="0"/>
+              <a:t>        </a:t>
+            </a:r>
+            <a:r>
+              <a:rPr lang="en-US" b="1" dirty="0"/>
+              <a:t>return </a:t>
+            </a:r>
+            <a:r>
+              <a:rPr lang="en-US" dirty="0" err="1"/>
+              <a:t>Optional.</a:t>
+            </a:r>
+            <a:r>
+              <a:rPr lang="en-US" i="1" dirty="0" err="1"/>
+              <a:t>ofNullable</a:t>
+            </a:r>
+            <a:r>
+              <a:rPr lang="en-US" dirty="0"/>
+              <a:t>(poll);</a:t>
+            </a:r>
+            <a:br>
+              <a:rPr lang="en-US" dirty="0"/>
+            </a:br>
+            <a:r>
+              <a:rPr lang="en-US" dirty="0"/>
+              <a:t>    </a:t>
+            </a:r>
+            <a:r>
+              <a:rPr lang="en-US" dirty="0" smtClean="0"/>
+              <a:t>}	</a:t>
+            </a:r>
+          </a:p>
+          <a:p>
+            <a:pPr>
+              <a:lnSpc>
+                <a:spcPct val="100000"/>
+              </a:lnSpc>
+              <a:buSzPct val="45000"/>
+            </a:pPr>
+            <a:r>
+              <a:rPr lang="en-US" dirty="0" smtClean="0"/>
+              <a:t>…</a:t>
+            </a:r>
+            <a:r>
+              <a:rPr lang="en-US" dirty="0"/>
+              <a:t/>
+            </a:r>
+            <a:br>
+              <a:rPr lang="en-US" dirty="0"/>
+            </a:br>
+            <a:r>
+              <a:rPr lang="en-US" dirty="0"/>
+              <a:t>}</a:t>
+            </a:r>
+            <a:br>
+              <a:rPr lang="en-US" dirty="0"/>
+            </a:br>
             <a:endParaRPr dirty="0" smtClean="0"/>
-          </a:p>
-          <a:p>
-            <a:pPr marL="457200" indent="-457200">
-              <a:lnSpc>
-                <a:spcPct val="150000"/>
-              </a:lnSpc>
-              <a:buSzPct val="100000"/>
-              <a:buFont typeface="Wingdings" panose="05000000000000000000" pitchFamily="2" charset="2"/>
-              <a:buChar char="ü"/>
-            </a:pPr>
-            <a:r>
-              <a:rPr lang="en-US" sz="2400" dirty="0" smtClean="0"/>
-              <a:t>Agile team, less is more</a:t>
-            </a:r>
-          </a:p>
-          <a:p>
-            <a:pPr marL="457200" indent="-457200">
-              <a:lnSpc>
-                <a:spcPct val="150000"/>
-              </a:lnSpc>
-              <a:buSzPct val="100000"/>
-              <a:buFont typeface="Wingdings" panose="05000000000000000000" pitchFamily="2" charset="2"/>
-              <a:buChar char="ü"/>
-            </a:pPr>
-            <a:endParaRPr lang="en-US" sz="2400" dirty="0" smtClean="0"/>
-          </a:p>
-          <a:p>
-            <a:pPr marL="457200" indent="-457200">
-              <a:lnSpc>
-                <a:spcPct val="150000"/>
-              </a:lnSpc>
-              <a:buSzPct val="100000"/>
-              <a:buFont typeface="Wingdings" panose="05000000000000000000" pitchFamily="2" charset="2"/>
-              <a:buChar char="ü"/>
-            </a:pPr>
-            <a:r>
-              <a:rPr lang="en-US" sz="2400" dirty="0" smtClean="0"/>
-              <a:t>Tooling: </a:t>
-            </a:r>
-            <a:r>
-              <a:rPr lang="en-US" sz="2400" dirty="0" err="1" smtClean="0"/>
-              <a:t>Atlassian</a:t>
-            </a:r>
-            <a:r>
-              <a:rPr lang="en-US" sz="2400" dirty="0" smtClean="0"/>
-              <a:t> Stack (Jira, Confluence, Crucible)</a:t>
-            </a:r>
-          </a:p>
-          <a:p>
-            <a:pPr marL="457200" indent="-457200">
-              <a:lnSpc>
-                <a:spcPct val="150000"/>
-              </a:lnSpc>
-              <a:buSzPct val="100000"/>
-              <a:buFont typeface="Wingdings" panose="05000000000000000000" pitchFamily="2" charset="2"/>
-              <a:buChar char="ü"/>
-            </a:pPr>
-            <a:endParaRPr lang="en-US" sz="2400" dirty="0" smtClean="0"/>
-          </a:p>
-          <a:p>
-            <a:pPr marL="457200" indent="-457200">
-              <a:lnSpc>
-                <a:spcPct val="150000"/>
-              </a:lnSpc>
-              <a:buSzPct val="100000"/>
-              <a:buFont typeface="Wingdings" panose="05000000000000000000" pitchFamily="2" charset="2"/>
-              <a:buChar char="ü"/>
-            </a:pPr>
-            <a:r>
-              <a:rPr lang="en-US" sz="2400" dirty="0" smtClean="0"/>
-              <a:t>Independent back-end and front-end projects</a:t>
-            </a:r>
-          </a:p>
-          <a:p>
-            <a:pPr marL="457200" indent="-457200">
-              <a:lnSpc>
-                <a:spcPct val="150000"/>
-              </a:lnSpc>
-              <a:buSzPct val="100000"/>
-              <a:buFont typeface="Wingdings" panose="05000000000000000000" pitchFamily="2" charset="2"/>
-              <a:buChar char="ü"/>
-            </a:pPr>
-            <a:endParaRPr lang="en-US" sz="2400" dirty="0" smtClean="0"/>
-          </a:p>
-          <a:p>
-            <a:pPr marL="457200" indent="-457200">
-              <a:lnSpc>
-                <a:spcPct val="150000"/>
-              </a:lnSpc>
-              <a:buSzPct val="100000"/>
-              <a:buFont typeface="Wingdings" panose="05000000000000000000" pitchFamily="2" charset="2"/>
-              <a:buChar char="ü"/>
-            </a:pPr>
-            <a:r>
-              <a:rPr lang="en-US" sz="2400" dirty="0" smtClean="0">
-                <a:hlinkClick r:id="rId2"/>
-              </a:rPr>
-              <a:t>GIT Flow</a:t>
-            </a:r>
-            <a:endParaRPr dirty="0"/>
           </a:p>
         </p:txBody>
       </p:sp>
     </p:spTree>
     <p:extLst>
       <p:ext uri="{BB962C8B-B14F-4D97-AF65-F5344CB8AC3E}">
-        <p14:creationId xmlns:p14="http://schemas.microsoft.com/office/powerpoint/2010/main" val="3434868346"/>
+        <p14:creationId xmlns:p14="http://schemas.microsoft.com/office/powerpoint/2010/main" val="2603234843"/>
       </p:ext>
     </p:extLst>
   </p:cSld>

--- a/PAC-final-presentation.pptx
+++ b/PAC-final-presentation.pptx
@@ -5035,16 +5035,7 @@
                 </a:solidFill>
                 <a:latin typeface="DIN Next LT Pro Condensed"/>
               </a:rPr>
-              <a:t>Development </a:t>
-            </a:r>
-            <a:r>
-              <a:rPr lang="en-US" sz="3600" dirty="0" smtClean="0">
-                <a:solidFill>
-                  <a:srgbClr val="383836"/>
-                </a:solidFill>
-                <a:latin typeface="DIN Next LT Pro Condensed"/>
-              </a:rPr>
-              <a:t>– Back-end service</a:t>
+              <a:t>Development – Back-end service</a:t>
             </a:r>
             <a:endParaRPr dirty="0"/>
           </a:p>
@@ -5137,11 +5128,7 @@
             </a:br>
             <a:r>
               <a:rPr lang="en-US" dirty="0"/>
-              <a:t>    </a:t>
-            </a:r>
-            <a:r>
-              <a:rPr lang="en-US" dirty="0"/>
-              <a:t>@</a:t>
+              <a:t>    @</a:t>
             </a:r>
             <a:r>
               <a:rPr lang="en-US" dirty="0" err="1"/>
@@ -5190,11 +5177,7 @@
             </a:br>
             <a:r>
               <a:rPr lang="en-US" dirty="0"/>
-              <a:t>    </a:t>
-            </a:r>
-            <a:r>
-              <a:rPr lang="en-US" dirty="0"/>
-              <a:t>@Override</a:t>
+              <a:t>    @Override</a:t>
             </a:r>
             <a:br>
               <a:rPr lang="en-US" dirty="0"/>
@@ -5302,11 +5285,7 @@
             </a:r>
             <a:r>
               <a:rPr lang="en-US" dirty="0" smtClean="0"/>
-              <a:t>} </a:t>
-            </a:r>
-            <a:r>
-              <a:rPr lang="en-US" dirty="0" smtClean="0"/>
-              <a:t>	</a:t>
+              <a:t>} 	</a:t>
             </a:r>
           </a:p>
           <a:p>
@@ -5419,12 +5398,12 @@
               <a:t>0 </a:t>
             </a:r>
             <a:r>
-              <a:rPr lang="en-US" dirty="0" err="1" smtClean="0"/>
-              <a:t>db</a:t>
-            </a:r>
-            <a:r>
               <a:rPr lang="en-US" dirty="0" smtClean="0"/>
-              <a:t> queries</a:t>
+              <a:t>DB </a:t>
+            </a:r>
+            <a:r>
+              <a:rPr lang="en-US" dirty="0" smtClean="0"/>
+              <a:t>queries</a:t>
             </a:r>
             <a:endParaRPr lang="en-US" dirty="0"/>
           </a:p>
@@ -5522,16 +5501,7 @@
                 </a:solidFill>
                 <a:latin typeface="DIN Next LT Pro Condensed"/>
               </a:rPr>
-              <a:t>Development </a:t>
-            </a:r>
-            <a:r>
-              <a:rPr lang="en-US" sz="3600" dirty="0" smtClean="0">
-                <a:solidFill>
-                  <a:srgbClr val="383836"/>
-                </a:solidFill>
-                <a:latin typeface="DIN Next LT Pro Condensed"/>
-              </a:rPr>
-              <a:t>– Back-end model</a:t>
+              <a:t>Development – Back-end model</a:t>
             </a:r>
             <a:endParaRPr dirty="0"/>
           </a:p>
@@ -6390,7 +6360,7 @@
         </p:nvSpPr>
         <p:spPr>
           <a:xfrm>
-            <a:off x="4611684" y="3649588"/>
+            <a:off x="4652334" y="3289548"/>
             <a:ext cx="4361656" cy="980782"/>
           </a:xfrm>
           <a:prstGeom prst="cloud">
@@ -6426,11 +6396,7 @@
             </a:r>
             <a:r>
               <a:rPr lang="en-US" dirty="0" smtClean="0"/>
-              <a:t> setup as in </a:t>
-            </a:r>
-            <a:r>
-              <a:rPr lang="en-US" dirty="0" smtClean="0"/>
-              <a:t>production / vagrant</a:t>
+              <a:t> setup as in production / vagrant</a:t>
             </a:r>
             <a:endParaRPr lang="en-US" dirty="0"/>
           </a:p>
@@ -6908,7 +6874,7 @@
         </p:nvSpPr>
         <p:spPr>
           <a:xfrm>
-            <a:off x="2843808" y="732304"/>
+            <a:off x="3059832" y="732304"/>
             <a:ext cx="3960440" cy="757044"/>
           </a:xfrm>
           <a:prstGeom prst="cloud">
@@ -6950,7 +6916,7 @@
         </p:nvSpPr>
         <p:spPr>
           <a:xfrm>
-            <a:off x="3635896" y="2443934"/>
+            <a:off x="3851920" y="2443934"/>
             <a:ext cx="2304256" cy="413566"/>
           </a:xfrm>
           <a:prstGeom prst="cloud">
@@ -8006,7 +7972,7 @@
                 </a:solidFill>
                 <a:latin typeface="DIN Next LT Pro Condensed"/>
               </a:rPr>
-              <a:t>Making release</a:t>
+              <a:t>Release</a:t>
             </a:r>
             <a:endParaRPr dirty="0"/>
           </a:p>
@@ -8446,8 +8412,12 @@
               <a:buChar char="ü"/>
             </a:pPr>
             <a:r>
+              <a:rPr lang="en-US" sz="2400" b="1" dirty="0" smtClean="0"/>
+              <a:t>Nexus</a:t>
+            </a:r>
+            <a:r>
               <a:rPr lang="en-US" sz="2400" dirty="0" smtClean="0"/>
-              <a:t>Nexus keeps history of all released versions</a:t>
+              <a:t> keeps history of all released versions</a:t>
             </a:r>
           </a:p>
           <a:p>
@@ -8460,8 +8430,12 @@
               <a:buChar char="ü"/>
             </a:pPr>
             <a:r>
+              <a:rPr lang="en-US" sz="2400" b="1" dirty="0" smtClean="0"/>
+              <a:t>DML</a:t>
+            </a:r>
+            <a:r>
               <a:rPr lang="en-US" sz="2400" dirty="0" smtClean="0"/>
-              <a:t>DML – contract with system administrators - structure always stays the same</a:t>
+              <a:t> – contract with system administrators - structure always stays the same</a:t>
             </a:r>
           </a:p>
           <a:p>
@@ -8474,8 +8448,16 @@
               <a:buChar char="ü"/>
             </a:pPr>
             <a:r>
+              <a:rPr lang="en-US" sz="2400" b="1" dirty="0" smtClean="0"/>
+              <a:t>Configuration</a:t>
+            </a:r>
+            <a:r>
               <a:rPr lang="en-US" sz="2400" dirty="0" smtClean="0"/>
-              <a:t>Configuration files for each stage (D, Q, P) kept on relative servers, respectively </a:t>
+              <a:t> files for each stage (D, Q, P) kept on </a:t>
+            </a:r>
+            <a:r>
+              <a:rPr lang="en-US" sz="2400" dirty="0" smtClean="0"/>
+              <a:t>respective servers</a:t>
             </a:r>
             <a:endParaRPr lang="en-US" sz="2400" dirty="0"/>
           </a:p>
@@ -9125,17 +9107,8 @@
             </a:pPr>
             <a:r>
               <a:rPr lang="en-US" sz="2400" dirty="0" smtClean="0"/>
-              <a:t>Super-easy </a:t>
-            </a:r>
-            <a:r>
-              <a:rPr lang="en-US" sz="2400" dirty="0" smtClean="0"/>
-              <a:t>project </a:t>
-            </a:r>
-            <a:r>
-              <a:rPr lang="en-US" sz="2400" dirty="0" smtClean="0"/>
-              <a:t>setup, easy to jump-in</a:t>
-            </a:r>
-            <a:endParaRPr lang="en-US" sz="2400" dirty="0" smtClean="0"/>
+              <a:t>Super-easy project setup, easy to jump-in</a:t>
+            </a:r>
           </a:p>
           <a:p>
             <a:pPr marL="457200" indent="-457200">
@@ -9148,11 +9121,7 @@
             </a:pPr>
             <a:r>
               <a:rPr lang="en-US" sz="2400" dirty="0" smtClean="0"/>
-              <a:t>Team coaching, know-how transfer, </a:t>
-            </a:r>
-            <a:r>
-              <a:rPr lang="en-US" sz="2400" dirty="0" smtClean="0"/>
-              <a:t>workshops</a:t>
+              <a:t>Team coaching, know-how transfer, workshops</a:t>
             </a:r>
           </a:p>
           <a:p>
@@ -9168,7 +9137,6 @@
               <a:rPr lang="en-US" sz="2400" dirty="0" smtClean="0"/>
               <a:t>Keep it simple</a:t>
             </a:r>
-            <a:endParaRPr lang="en-US" sz="2400" dirty="0" smtClean="0"/>
           </a:p>
         </p:txBody>
       </p:sp>
@@ -9330,7 +9298,6 @@
               <a:rPr lang="en-US" sz="2400" dirty="0" smtClean="0"/>
               <a:t>simple</a:t>
             </a:r>
-            <a:endParaRPr lang="en-US" sz="2400" dirty="0" smtClean="0"/>
           </a:p>
           <a:p>
             <a:pPr marL="457200" indent="-457200">
@@ -9371,7 +9338,6 @@
               <a:rPr lang="en-US" sz="2400" dirty="0" smtClean="0"/>
               <a:t>market</a:t>
             </a:r>
-            <a:endParaRPr lang="en-US" sz="2400" dirty="0" smtClean="0"/>
           </a:p>
           <a:p>
             <a:pPr marL="457200" indent="-457200">
@@ -9594,19 +9560,7 @@
               <a:rPr lang="en-US" sz="3000" dirty="0" smtClean="0">
                 <a:latin typeface="DIN Next LT Pro Condensed"/>
               </a:rPr>
-              <a:t>votes / Add or </a:t>
-            </a:r>
-            <a:r>
-              <a:rPr lang="en-US" sz="3000" dirty="0" smtClean="0">
-                <a:latin typeface="DIN Next LT Pro Condensed"/>
-              </a:rPr>
-              <a:t>edit/delete </a:t>
-            </a:r>
-            <a:r>
-              <a:rPr lang="en-US" sz="3000" dirty="0" smtClean="0">
-                <a:latin typeface="DIN Next LT Pro Condensed"/>
-              </a:rPr>
-              <a:t>own votes</a:t>
+              <a:t>votes / Add or edit/delete own votes</a:t>
             </a:r>
             <a:endParaRPr sz="3000" dirty="0"/>
           </a:p>
@@ -9933,7 +9887,7 @@
                 <a:latin typeface="DIN Next LT Pro Condensed"/>
                 <a:sym typeface="Wingdings" panose="05000000000000000000" pitchFamily="2" charset="2"/>
               </a:rPr>
-              <a:t>JSON </a:t>
+              <a:t>Nginx Load balancer, JSON </a:t>
             </a:r>
             <a:r>
               <a:rPr lang="en-US" sz="1900" dirty="0" smtClean="0">
@@ -9953,13 +9907,8 @@
                 <a:latin typeface="DIN Next LT Pro Condensed"/>
                 <a:sym typeface="Wingdings" panose="05000000000000000000" pitchFamily="2" charset="2"/>
               </a:rPr>
-              <a:t>load (cluster)</a:t>
-            </a:r>
-            <a:endParaRPr lang="en-US" sz="1900" dirty="0">
-              <a:solidFill>
-                <a:srgbClr val="92D050"/>
-              </a:solidFill>
-            </a:endParaRPr>
+              <a:t>load</a:t>
+            </a:r>
           </a:p>
           <a:p>
             <a:pPr marL="457200" indent="-457200">
@@ -9970,6 +9919,15 @@
               <a:buFont typeface="Wingdings" panose="05000000000000000000" pitchFamily="2" charset="2"/>
               <a:buChar char="ü"/>
             </a:pPr>
+            <a:r>
+              <a:rPr lang="en-US" sz="1900" dirty="0" smtClean="0">
+                <a:solidFill>
+                  <a:srgbClr val="383836"/>
+                </a:solidFill>
+                <a:latin typeface="DIN Next LT Pro Condensed"/>
+              </a:rPr>
+              <a:t>High </a:t>
+            </a:r>
             <a:r>
               <a:rPr lang="en-US" sz="1900" dirty="0">
                 <a:solidFill>
@@ -9977,7 +9935,7 @@
                 </a:solidFill>
                 <a:latin typeface="DIN Next LT Pro Condensed"/>
               </a:rPr>
-              <a:t>High availability (</a:t>
+              <a:t>availability (</a:t>
             </a:r>
             <a:r>
               <a:rPr lang="en-US" sz="1900" dirty="0">
@@ -10141,17 +10099,7 @@
                 <a:latin typeface="DIN Next LT Pro Condensed"/>
                 <a:sym typeface="Wingdings" panose="05000000000000000000" pitchFamily="2" charset="2"/>
               </a:rPr>
-              <a:t> everything needed to run the </a:t>
-            </a:r>
-            <a:r>
-              <a:rPr lang="en-US" sz="1900" dirty="0" smtClean="0">
-                <a:solidFill>
-                  <a:srgbClr val="92D050"/>
-                </a:solidFill>
-                <a:latin typeface="DIN Next LT Pro Condensed"/>
-                <a:sym typeface="Wingdings" panose="05000000000000000000" pitchFamily="2" charset="2"/>
-              </a:rPr>
-              <a:t>application, output of </a:t>
+              <a:t> everything needed to run the application, output of </a:t>
             </a:r>
             <a:r>
               <a:rPr lang="en-US" sz="1900" dirty="0" err="1" smtClean="0">
@@ -10919,21 +10867,22 @@
             <a:pPr algn="ctr"/>
             <a:r>
               <a:rPr lang="en-US" dirty="0" smtClean="0"/>
-              <a:t>No near future migration costs</a:t>
+              <a:t>No near future migration </a:t>
+            </a:r>
+            <a:r>
+              <a:rPr lang="en-US" dirty="0" smtClean="0"/>
+              <a:t>costs</a:t>
             </a:r>
           </a:p>
           <a:p>
             <a:pPr algn="ctr"/>
             <a:r>
               <a:rPr lang="en-US" dirty="0" smtClean="0"/>
-              <a:t>Allow growth (scalable)</a:t>
-            </a:r>
-          </a:p>
-          <a:p>
-            <a:pPr algn="ctr"/>
+              <a:t>No </a:t>
+            </a:r>
             <a:r>
               <a:rPr lang="en-US" dirty="0" smtClean="0"/>
-              <a:t>No reinventing the wheel</a:t>
+              <a:t>reinventing the wheel</a:t>
             </a:r>
             <a:endParaRPr lang="en-US" dirty="0"/>
           </a:p>
@@ -11343,13 +11292,8 @@
             </a:pPr>
             <a:r>
               <a:rPr lang="en-US" sz="2400" dirty="0" smtClean="0"/>
-              <a:t>Agile / convention over </a:t>
-            </a:r>
-            <a:r>
-              <a:rPr lang="en-US" sz="2400" dirty="0" smtClean="0"/>
-              <a:t>configuration</a:t>
-            </a:r>
-            <a:endParaRPr lang="en-US" sz="2400" dirty="0" smtClean="0"/>
+              <a:t>Agile / convention over configuration</a:t>
+            </a:r>
           </a:p>
           <a:p>
             <a:pPr marL="457200" indent="-457200">
@@ -11362,11 +11306,7 @@
             </a:pPr>
             <a:r>
               <a:rPr lang="en-US" sz="2400" dirty="0" smtClean="0"/>
-              <a:t>Project tooling</a:t>
-            </a:r>
-            <a:r>
-              <a:rPr lang="en-US" sz="2400" dirty="0" smtClean="0"/>
-              <a:t>: </a:t>
+              <a:t>Project tooling: </a:t>
             </a:r>
             <a:r>
               <a:rPr lang="en-US" sz="2400" dirty="0" err="1" smtClean="0"/>
@@ -11374,13 +11314,8 @@
             </a:r>
             <a:r>
               <a:rPr lang="en-US" sz="2400" dirty="0" smtClean="0"/>
-              <a:t> Stack (Jira, Confluence, Crucible</a:t>
-            </a:r>
-            <a:r>
-              <a:rPr lang="en-US" sz="2400" dirty="0" smtClean="0"/>
-              <a:t>)</a:t>
-            </a:r>
-            <a:endParaRPr lang="en-US" sz="2400" dirty="0" smtClean="0"/>
+              <a:t> Stack (Jira, Confluence, Crucible)</a:t>
+            </a:r>
           </a:p>
           <a:p>
             <a:pPr marL="457200" indent="-457200">
@@ -11393,13 +11328,8 @@
             </a:pPr>
             <a:r>
               <a:rPr lang="en-US" sz="2400" dirty="0" smtClean="0"/>
-              <a:t>Independent back-end and front-end </a:t>
-            </a:r>
-            <a:r>
-              <a:rPr lang="en-US" sz="2400" dirty="0" smtClean="0"/>
-              <a:t>projects</a:t>
-            </a:r>
-            <a:endParaRPr lang="en-US" sz="2400" dirty="0" smtClean="0"/>
+              <a:t>Independent back-end and front-end projects</a:t>
+            </a:r>
           </a:p>
           <a:p>
             <a:pPr marL="457200" indent="-457200">
